--- a/Presentation_intro.pptx
+++ b/Presentation_intro.pptx
@@ -11,6 +11,10 @@
     <p:sldId id="259" r:id="rId5"/>
     <p:sldId id="260" r:id="rId6"/>
     <p:sldId id="261" r:id="rId7"/>
+    <p:sldId id="262" r:id="rId8"/>
+    <p:sldId id="265" r:id="rId9"/>
+    <p:sldId id="264" r:id="rId10"/>
+    <p:sldId id="263" r:id="rId11"/>
   </p:sldIdLst>
   <p:sldSz cx="12192000" cy="6858000"/>
   <p:notesSz cx="6858000" cy="9144000"/>
@@ -5690,7 +5694,10 @@
           <a:bodyPr/>
           <a:lstStyle/>
           <a:p>
-            <a:endParaRPr lang="en-US"/>
+            <a:r>
+              <a:rPr lang="en-US" dirty="0"/>
+              <a:t>The basics of unsupervised learning</a:t>
+            </a:r>
           </a:p>
         </p:txBody>
       </p:sp>
@@ -5715,7 +5722,10 @@
           <a:bodyPr/>
           <a:lstStyle/>
           <a:p>
-            <a:endParaRPr lang="en-US"/>
+            <a:r>
+              <a:rPr lang="en-US" dirty="0"/>
+              <a:t>Soumya banerjee</a:t>
+            </a:r>
           </a:p>
         </p:txBody>
       </p:sp>
@@ -5723,6 +5733,123 @@
     <p:extLst>
       <p:ext uri="{BB962C8B-B14F-4D97-AF65-F5344CB8AC3E}">
         <p14:creationId xmlns:p14="http://schemas.microsoft.com/office/powerpoint/2010/main" val="1790552259"/>
+      </p:ext>
+    </p:extLst>
+  </p:cSld>
+  <p:clrMapOvr>
+    <a:masterClrMapping/>
+  </p:clrMapOvr>
+</p:sld>
+</file>
+
+<file path=ppt/slides/slide10.xml><?xml version="1.0" encoding="utf-8"?>
+<p:sld xmlns:a="http://schemas.openxmlformats.org/drawingml/2006/main" xmlns:r="http://schemas.openxmlformats.org/officeDocument/2006/relationships" xmlns:p="http://schemas.openxmlformats.org/presentationml/2006/main">
+  <p:cSld>
+    <p:bg>
+      <p:bgPr>
+        <a:blipFill rotWithShape="1">
+          <a:blip r:embed="rId2">
+            <a:duotone>
+              <a:schemeClr val="bg2">
+                <a:shade val="28000"/>
+                <a:satMod val="94000"/>
+                <a:lumMod val="20000"/>
+              </a:schemeClr>
+              <a:schemeClr val="bg2">
+                <a:tint val="94000"/>
+                <a:shade val="84000"/>
+                <a:satMod val="148000"/>
+                <a:lumMod val="114000"/>
+              </a:schemeClr>
+            </a:duotone>
+          </a:blip>
+          <a:stretch/>
+        </a:blipFill>
+        <a:effectLst/>
+      </p:bgPr>
+    </p:bg>
+    <p:spTree>
+      <p:nvGrpSpPr>
+        <p:cNvPr id="1" name=""/>
+        <p:cNvGrpSpPr/>
+        <p:nvPr/>
+      </p:nvGrpSpPr>
+      <p:grpSpPr>
+        <a:xfrm>
+          <a:off x="0" y="0"/>
+          <a:ext cx="0" cy="0"/>
+          <a:chOff x="0" y="0"/>
+          <a:chExt cx="0" cy="0"/>
+        </a:xfrm>
+      </p:grpSpPr>
+      <p:sp>
+        <p:nvSpPr>
+          <p:cNvPr id="2" name="Title 1">
+            <a:extLst>
+              <a:ext uri="{FF2B5EF4-FFF2-40B4-BE49-F238E27FC236}">
+                <a16:creationId xmlns:a16="http://schemas.microsoft.com/office/drawing/2014/main" id="{22DEAB8B-05A2-CB87-297A-E7362F52C29A}"/>
+              </a:ext>
+            </a:extLst>
+          </p:cNvPr>
+          <p:cNvSpPr>
+            <a:spLocks noGrp="1"/>
+          </p:cNvSpPr>
+          <p:nvPr>
+            <p:ph type="ctrTitle"/>
+          </p:nvPr>
+        </p:nvSpPr>
+        <p:spPr>
+          <a:xfrm>
+            <a:off x="1751012" y="4363271"/>
+            <a:ext cx="8676222" cy="1066801"/>
+          </a:xfrm>
+        </p:spPr>
+        <p:txBody>
+          <a:bodyPr>
+            <a:normAutofit/>
+          </a:bodyPr>
+          <a:lstStyle/>
+          <a:p>
+            <a:endParaRPr lang="en-US" dirty="0"/>
+          </a:p>
+        </p:txBody>
+      </p:sp>
+      <p:sp>
+        <p:nvSpPr>
+          <p:cNvPr id="3" name="Subtitle 2">
+            <a:extLst>
+              <a:ext uri="{FF2B5EF4-FFF2-40B4-BE49-F238E27FC236}">
+                <a16:creationId xmlns:a16="http://schemas.microsoft.com/office/drawing/2014/main" id="{5E72B1CE-A9F8-FA55-BC92-F4D1D50170AD}"/>
+              </a:ext>
+            </a:extLst>
+          </p:cNvPr>
+          <p:cNvSpPr>
+            <a:spLocks noGrp="1"/>
+          </p:cNvSpPr>
+          <p:nvPr>
+            <p:ph type="subTitle" idx="1"/>
+          </p:nvPr>
+        </p:nvSpPr>
+        <p:spPr>
+          <a:xfrm>
+            <a:off x="1751012" y="5516211"/>
+            <a:ext cx="8676222" cy="722243"/>
+          </a:xfrm>
+        </p:spPr>
+        <p:txBody>
+          <a:bodyPr>
+            <a:normAutofit/>
+          </a:bodyPr>
+          <a:lstStyle/>
+          <a:p>
+            <a:endParaRPr lang="en-US"/>
+          </a:p>
+        </p:txBody>
+      </p:sp>
+    </p:spTree>
+    <p:extLst>
+      <p:ext uri="{BB962C8B-B14F-4D97-AF65-F5344CB8AC3E}">
+        <p14:creationId xmlns:p14="http://schemas.microsoft.com/office/powerpoint/2010/main" val="2899570253"/>
       </p:ext>
     </p:extLst>
   </p:cSld>
@@ -6533,6 +6660,428 @@
     <p:extLst>
       <p:ext uri="{BB962C8B-B14F-4D97-AF65-F5344CB8AC3E}">
         <p14:creationId xmlns:p14="http://schemas.microsoft.com/office/powerpoint/2010/main" val="4291873900"/>
+      </p:ext>
+    </p:extLst>
+  </p:cSld>
+  <p:clrMapOvr>
+    <a:masterClrMapping/>
+  </p:clrMapOvr>
+</p:sld>
+</file>
+
+<file path=ppt/slides/slide7.xml><?xml version="1.0" encoding="utf-8"?>
+<p:sld xmlns:a="http://schemas.openxmlformats.org/drawingml/2006/main" xmlns:r="http://schemas.openxmlformats.org/officeDocument/2006/relationships" xmlns:p="http://schemas.openxmlformats.org/presentationml/2006/main">
+  <p:cSld>
+    <p:bg>
+      <p:bgPr>
+        <a:blipFill rotWithShape="1">
+          <a:blip r:embed="rId2">
+            <a:duotone>
+              <a:schemeClr val="bg2">
+                <a:shade val="28000"/>
+                <a:satMod val="94000"/>
+                <a:lumMod val="20000"/>
+              </a:schemeClr>
+              <a:schemeClr val="bg2">
+                <a:tint val="94000"/>
+                <a:shade val="84000"/>
+                <a:satMod val="148000"/>
+                <a:lumMod val="114000"/>
+              </a:schemeClr>
+            </a:duotone>
+          </a:blip>
+          <a:stretch/>
+        </a:blipFill>
+        <a:effectLst/>
+      </p:bgPr>
+    </p:bg>
+    <p:spTree>
+      <p:nvGrpSpPr>
+        <p:cNvPr id="1" name=""/>
+        <p:cNvGrpSpPr/>
+        <p:nvPr/>
+      </p:nvGrpSpPr>
+      <p:grpSpPr>
+        <a:xfrm>
+          <a:off x="0" y="0"/>
+          <a:ext cx="0" cy="0"/>
+          <a:chOff x="0" y="0"/>
+          <a:chExt cx="0" cy="0"/>
+        </a:xfrm>
+      </p:grpSpPr>
+      <p:sp>
+        <p:nvSpPr>
+          <p:cNvPr id="2" name="Title 1">
+            <a:extLst>
+              <a:ext uri="{FF2B5EF4-FFF2-40B4-BE49-F238E27FC236}">
+                <a16:creationId xmlns:a16="http://schemas.microsoft.com/office/drawing/2014/main" id="{22DEAB8B-05A2-CB87-297A-E7362F52C29A}"/>
+              </a:ext>
+            </a:extLst>
+          </p:cNvPr>
+          <p:cNvSpPr>
+            <a:spLocks noGrp="1"/>
+          </p:cNvSpPr>
+          <p:nvPr>
+            <p:ph type="ctrTitle"/>
+          </p:nvPr>
+        </p:nvSpPr>
+        <p:spPr>
+          <a:xfrm>
+            <a:off x="1751012" y="4363271"/>
+            <a:ext cx="8676222" cy="1066801"/>
+          </a:xfrm>
+        </p:spPr>
+        <p:txBody>
+          <a:bodyPr>
+            <a:normAutofit/>
+          </a:bodyPr>
+          <a:lstStyle/>
+          <a:p>
+            <a:endParaRPr lang="en-US" dirty="0"/>
+          </a:p>
+        </p:txBody>
+      </p:sp>
+      <p:sp>
+        <p:nvSpPr>
+          <p:cNvPr id="3" name="Subtitle 2">
+            <a:extLst>
+              <a:ext uri="{FF2B5EF4-FFF2-40B4-BE49-F238E27FC236}">
+                <a16:creationId xmlns:a16="http://schemas.microsoft.com/office/drawing/2014/main" id="{5E72B1CE-A9F8-FA55-BC92-F4D1D50170AD}"/>
+              </a:ext>
+            </a:extLst>
+          </p:cNvPr>
+          <p:cNvSpPr>
+            <a:spLocks noGrp="1"/>
+          </p:cNvSpPr>
+          <p:nvPr>
+            <p:ph type="subTitle" idx="1"/>
+          </p:nvPr>
+        </p:nvSpPr>
+        <p:spPr>
+          <a:xfrm>
+            <a:off x="1751012" y="5516211"/>
+            <a:ext cx="8676222" cy="722243"/>
+          </a:xfrm>
+        </p:spPr>
+        <p:txBody>
+          <a:bodyPr>
+            <a:normAutofit/>
+          </a:bodyPr>
+          <a:lstStyle/>
+          <a:p>
+            <a:endParaRPr lang="en-US"/>
+          </a:p>
+        </p:txBody>
+      </p:sp>
+      <p:pic>
+        <p:nvPicPr>
+          <p:cNvPr id="6" name="Picture 5" descr="A black text on a white background&#10;&#10;Description automatically generated">
+            <a:extLst>
+              <a:ext uri="{FF2B5EF4-FFF2-40B4-BE49-F238E27FC236}">
+                <a16:creationId xmlns:a16="http://schemas.microsoft.com/office/drawing/2014/main" id="{B25BC05E-979F-D0A8-6F44-9E18C92E3F20}"/>
+              </a:ext>
+            </a:extLst>
+          </p:cNvPr>
+          <p:cNvPicPr>
+            <a:picLocks noChangeAspect="1"/>
+          </p:cNvPicPr>
+          <p:nvPr/>
+        </p:nvPicPr>
+        <p:blipFill>
+          <a:blip r:embed="rId3"/>
+          <a:stretch>
+            <a:fillRect/>
+          </a:stretch>
+        </p:blipFill>
+        <p:spPr>
+          <a:xfrm>
+            <a:off x="3930650" y="3124200"/>
+            <a:ext cx="4330700" cy="609600"/>
+          </a:xfrm>
+          <a:prstGeom prst="rect">
+            <a:avLst/>
+          </a:prstGeom>
+        </p:spPr>
+      </p:pic>
+    </p:spTree>
+    <p:extLst>
+      <p:ext uri="{BB962C8B-B14F-4D97-AF65-F5344CB8AC3E}">
+        <p14:creationId xmlns:p14="http://schemas.microsoft.com/office/powerpoint/2010/main" val="3671102125"/>
+      </p:ext>
+    </p:extLst>
+  </p:cSld>
+  <p:clrMapOvr>
+    <a:masterClrMapping/>
+  </p:clrMapOvr>
+</p:sld>
+</file>
+
+<file path=ppt/slides/slide8.xml><?xml version="1.0" encoding="utf-8"?>
+<p:sld xmlns:a="http://schemas.openxmlformats.org/drawingml/2006/main" xmlns:r="http://schemas.openxmlformats.org/officeDocument/2006/relationships" xmlns:p="http://schemas.openxmlformats.org/presentationml/2006/main">
+  <p:cSld>
+    <p:bg>
+      <p:bgPr>
+        <a:blipFill rotWithShape="1">
+          <a:blip r:embed="rId2">
+            <a:duotone>
+              <a:schemeClr val="bg2">
+                <a:shade val="28000"/>
+                <a:satMod val="94000"/>
+                <a:lumMod val="20000"/>
+              </a:schemeClr>
+              <a:schemeClr val="bg2">
+                <a:tint val="94000"/>
+                <a:shade val="84000"/>
+                <a:satMod val="148000"/>
+                <a:lumMod val="114000"/>
+              </a:schemeClr>
+            </a:duotone>
+          </a:blip>
+          <a:stretch/>
+        </a:blipFill>
+        <a:effectLst/>
+      </p:bgPr>
+    </p:bg>
+    <p:spTree>
+      <p:nvGrpSpPr>
+        <p:cNvPr id="1" name=""/>
+        <p:cNvGrpSpPr/>
+        <p:nvPr/>
+      </p:nvGrpSpPr>
+      <p:grpSpPr>
+        <a:xfrm>
+          <a:off x="0" y="0"/>
+          <a:ext cx="0" cy="0"/>
+          <a:chOff x="0" y="0"/>
+          <a:chExt cx="0" cy="0"/>
+        </a:xfrm>
+      </p:grpSpPr>
+      <p:sp>
+        <p:nvSpPr>
+          <p:cNvPr id="2" name="Title 1">
+            <a:extLst>
+              <a:ext uri="{FF2B5EF4-FFF2-40B4-BE49-F238E27FC236}">
+                <a16:creationId xmlns:a16="http://schemas.microsoft.com/office/drawing/2014/main" id="{22DEAB8B-05A2-CB87-297A-E7362F52C29A}"/>
+              </a:ext>
+            </a:extLst>
+          </p:cNvPr>
+          <p:cNvSpPr>
+            <a:spLocks noGrp="1"/>
+          </p:cNvSpPr>
+          <p:nvPr>
+            <p:ph type="ctrTitle"/>
+          </p:nvPr>
+        </p:nvSpPr>
+        <p:spPr>
+          <a:xfrm>
+            <a:off x="1751012" y="4363271"/>
+            <a:ext cx="8676222" cy="1066801"/>
+          </a:xfrm>
+        </p:spPr>
+        <p:txBody>
+          <a:bodyPr>
+            <a:normAutofit/>
+          </a:bodyPr>
+          <a:lstStyle/>
+          <a:p>
+            <a:endParaRPr lang="en-US" dirty="0"/>
+          </a:p>
+        </p:txBody>
+      </p:sp>
+      <p:sp>
+        <p:nvSpPr>
+          <p:cNvPr id="3" name="Subtitle 2">
+            <a:extLst>
+              <a:ext uri="{FF2B5EF4-FFF2-40B4-BE49-F238E27FC236}">
+                <a16:creationId xmlns:a16="http://schemas.microsoft.com/office/drawing/2014/main" id="{5E72B1CE-A9F8-FA55-BC92-F4D1D50170AD}"/>
+              </a:ext>
+            </a:extLst>
+          </p:cNvPr>
+          <p:cNvSpPr>
+            <a:spLocks noGrp="1"/>
+          </p:cNvSpPr>
+          <p:nvPr>
+            <p:ph type="subTitle" idx="1"/>
+          </p:nvPr>
+        </p:nvSpPr>
+        <p:spPr>
+          <a:xfrm>
+            <a:off x="1751012" y="5516211"/>
+            <a:ext cx="8676222" cy="722243"/>
+          </a:xfrm>
+        </p:spPr>
+        <p:txBody>
+          <a:bodyPr>
+            <a:normAutofit/>
+          </a:bodyPr>
+          <a:lstStyle/>
+          <a:p>
+            <a:endParaRPr lang="en-US"/>
+          </a:p>
+        </p:txBody>
+      </p:sp>
+      <p:pic>
+        <p:nvPicPr>
+          <p:cNvPr id="5" name="Picture 4" descr="A diagram of a code&#10;&#10;Description automatically generated">
+            <a:extLst>
+              <a:ext uri="{FF2B5EF4-FFF2-40B4-BE49-F238E27FC236}">
+                <a16:creationId xmlns:a16="http://schemas.microsoft.com/office/drawing/2014/main" id="{1B184B86-016B-D56C-A2E3-61FA0D4909F3}"/>
+              </a:ext>
+            </a:extLst>
+          </p:cNvPr>
+          <p:cNvPicPr>
+            <a:picLocks noChangeAspect="1"/>
+          </p:cNvPicPr>
+          <p:nvPr/>
+        </p:nvPicPr>
+        <p:blipFill>
+          <a:blip r:embed="rId3"/>
+          <a:stretch>
+            <a:fillRect/>
+          </a:stretch>
+        </p:blipFill>
+        <p:spPr>
+          <a:xfrm>
+            <a:off x="2902744" y="523609"/>
+            <a:ext cx="6386512" cy="4906463"/>
+          </a:xfrm>
+          <a:prstGeom prst="rect">
+            <a:avLst/>
+          </a:prstGeom>
+        </p:spPr>
+      </p:pic>
+    </p:spTree>
+    <p:extLst>
+      <p:ext uri="{BB962C8B-B14F-4D97-AF65-F5344CB8AC3E}">
+        <p14:creationId xmlns:p14="http://schemas.microsoft.com/office/powerpoint/2010/main" val="703749962"/>
+      </p:ext>
+    </p:extLst>
+  </p:cSld>
+  <p:clrMapOvr>
+    <a:masterClrMapping/>
+  </p:clrMapOvr>
+</p:sld>
+</file>
+
+<file path=ppt/slides/slide9.xml><?xml version="1.0" encoding="utf-8"?>
+<p:sld xmlns:a="http://schemas.openxmlformats.org/drawingml/2006/main" xmlns:r="http://schemas.openxmlformats.org/officeDocument/2006/relationships" xmlns:p="http://schemas.openxmlformats.org/presentationml/2006/main">
+  <p:cSld>
+    <p:bg>
+      <p:bgPr>
+        <a:blipFill rotWithShape="1">
+          <a:blip r:embed="rId2">
+            <a:duotone>
+              <a:schemeClr val="bg2">
+                <a:shade val="28000"/>
+                <a:satMod val="94000"/>
+                <a:lumMod val="20000"/>
+              </a:schemeClr>
+              <a:schemeClr val="bg2">
+                <a:tint val="94000"/>
+                <a:shade val="84000"/>
+                <a:satMod val="148000"/>
+                <a:lumMod val="114000"/>
+              </a:schemeClr>
+            </a:duotone>
+          </a:blip>
+          <a:stretch/>
+        </a:blipFill>
+        <a:effectLst/>
+      </p:bgPr>
+    </p:bg>
+    <p:spTree>
+      <p:nvGrpSpPr>
+        <p:cNvPr id="1" name=""/>
+        <p:cNvGrpSpPr/>
+        <p:nvPr/>
+      </p:nvGrpSpPr>
+      <p:grpSpPr>
+        <a:xfrm>
+          <a:off x="0" y="0"/>
+          <a:ext cx="0" cy="0"/>
+          <a:chOff x="0" y="0"/>
+          <a:chExt cx="0" cy="0"/>
+        </a:xfrm>
+      </p:grpSpPr>
+      <p:sp>
+        <p:nvSpPr>
+          <p:cNvPr id="2" name="Title 1">
+            <a:extLst>
+              <a:ext uri="{FF2B5EF4-FFF2-40B4-BE49-F238E27FC236}">
+                <a16:creationId xmlns:a16="http://schemas.microsoft.com/office/drawing/2014/main" id="{22DEAB8B-05A2-CB87-297A-E7362F52C29A}"/>
+              </a:ext>
+            </a:extLst>
+          </p:cNvPr>
+          <p:cNvSpPr>
+            <a:spLocks noGrp="1"/>
+          </p:cNvSpPr>
+          <p:nvPr>
+            <p:ph type="ctrTitle"/>
+          </p:nvPr>
+        </p:nvSpPr>
+        <p:spPr>
+          <a:xfrm>
+            <a:off x="1751012" y="4363271"/>
+            <a:ext cx="8676222" cy="1066801"/>
+          </a:xfrm>
+        </p:spPr>
+        <p:txBody>
+          <a:bodyPr>
+            <a:normAutofit/>
+          </a:bodyPr>
+          <a:lstStyle/>
+          <a:p>
+            <a:endParaRPr lang="en-US" dirty="0"/>
+          </a:p>
+        </p:txBody>
+      </p:sp>
+      <p:sp>
+        <p:nvSpPr>
+          <p:cNvPr id="3" name="Subtitle 2">
+            <a:extLst>
+              <a:ext uri="{FF2B5EF4-FFF2-40B4-BE49-F238E27FC236}">
+                <a16:creationId xmlns:a16="http://schemas.microsoft.com/office/drawing/2014/main" id="{5E72B1CE-A9F8-FA55-BC92-F4D1D50170AD}"/>
+              </a:ext>
+            </a:extLst>
+          </p:cNvPr>
+          <p:cNvSpPr>
+            <a:spLocks noGrp="1"/>
+          </p:cNvSpPr>
+          <p:nvPr>
+            <p:ph type="subTitle" idx="1"/>
+          </p:nvPr>
+        </p:nvSpPr>
+        <p:spPr>
+          <a:xfrm>
+            <a:off x="1751012" y="5516211"/>
+            <a:ext cx="8676222" cy="722243"/>
+          </a:xfrm>
+        </p:spPr>
+        <p:txBody>
+          <a:bodyPr>
+            <a:normAutofit/>
+          </a:bodyPr>
+          <a:lstStyle/>
+          <a:p>
+            <a:r>
+              <a:rPr lang="en-US" dirty="0"/>
+              <a:t>Finding structure in movie ratings, consumer </a:t>
+            </a:r>
+            <a:r>
+              <a:rPr lang="en-US" dirty="0" err="1"/>
+              <a:t>behaviour</a:t>
+            </a:r>
+            <a:r>
+              <a:rPr lang="en-US" dirty="0"/>
+              <a:t>, etc.</a:t>
+            </a:r>
+          </a:p>
+        </p:txBody>
+      </p:sp>
+    </p:spTree>
+    <p:extLst>
+      <p:ext uri="{BB962C8B-B14F-4D97-AF65-F5344CB8AC3E}">
+        <p14:creationId xmlns:p14="http://schemas.microsoft.com/office/powerpoint/2010/main" val="1663027390"/>
       </p:ext>
     </p:extLst>
   </p:cSld>

--- a/Presentation_intro.pptx
+++ b/Presentation_intro.pptx
@@ -5838,11 +5838,32 @@
         </p:spPr>
         <p:txBody>
           <a:bodyPr>
-            <a:normAutofit/>
+            <a:normAutofit fontScale="40000" lnSpcReduction="20000"/>
           </a:bodyPr>
           <a:lstStyle/>
           <a:p>
-            <a:endParaRPr lang="en-US"/>
+            <a:r>
+              <a:rPr lang="en-US" dirty="0">
+                <a:hlinkClick r:id="rId3"/>
+              </a:rPr>
+              <a:t>https://github.com/neelsoumya/visualization_lecture</a:t>
+            </a:r>
+            <a:endParaRPr lang="en-US" dirty="0"/>
+          </a:p>
+          <a:p>
+            <a:endParaRPr lang="en-US" dirty="0"/>
+          </a:p>
+          <a:p>
+            <a:r>
+              <a:rPr lang="en-US" dirty="0">
+                <a:hlinkClick r:id="rId4"/>
+              </a:rPr>
+              <a:t>https://github.com/neelsoumya/visualization_lecture/blob/main/mathematics_data_science.pdf</a:t>
+            </a:r>
+            <a:endParaRPr lang="en-US" dirty="0"/>
+          </a:p>
+          <a:p>
+            <a:endParaRPr lang="en-US" dirty="0"/>
           </a:p>
         </p:txBody>
       </p:sp>

--- a/Presentation_intro.pptx
+++ b/Presentation_intro.pptx
@@ -14,7 +14,11 @@
     <p:sldId id="262" r:id="rId8"/>
     <p:sldId id="265" r:id="rId9"/>
     <p:sldId id="264" r:id="rId10"/>
-    <p:sldId id="263" r:id="rId11"/>
+    <p:sldId id="268" r:id="rId11"/>
+    <p:sldId id="269" r:id="rId12"/>
+    <p:sldId id="266" r:id="rId13"/>
+    <p:sldId id="267" r:id="rId14"/>
+    <p:sldId id="263" r:id="rId15"/>
   </p:sldIdLst>
   <p:sldSz cx="12192000" cy="6858000"/>
   <p:notesSz cx="6858000" cy="9144000"/>
@@ -5810,6 +5814,502 @@
           </a:bodyPr>
           <a:lstStyle/>
           <a:p>
+            <a:r>
+              <a:rPr lang="en-US" dirty="0"/>
+              <a:t>assumptions</a:t>
+            </a:r>
+          </a:p>
+        </p:txBody>
+      </p:sp>
+      <p:sp>
+        <p:nvSpPr>
+          <p:cNvPr id="3" name="Subtitle 2">
+            <a:extLst>
+              <a:ext uri="{FF2B5EF4-FFF2-40B4-BE49-F238E27FC236}">
+                <a16:creationId xmlns:a16="http://schemas.microsoft.com/office/drawing/2014/main" id="{5E72B1CE-A9F8-FA55-BC92-F4D1D50170AD}"/>
+              </a:ext>
+            </a:extLst>
+          </p:cNvPr>
+          <p:cNvSpPr>
+            <a:spLocks noGrp="1"/>
+          </p:cNvSpPr>
+          <p:nvPr>
+            <p:ph type="subTitle" idx="1"/>
+          </p:nvPr>
+        </p:nvSpPr>
+        <p:spPr>
+          <a:xfrm>
+            <a:off x="1751012" y="5516211"/>
+            <a:ext cx="8676222" cy="722243"/>
+          </a:xfrm>
+        </p:spPr>
+        <p:txBody>
+          <a:bodyPr>
+            <a:normAutofit/>
+          </a:bodyPr>
+          <a:lstStyle/>
+          <a:p>
+            <a:r>
+              <a:rPr lang="en-US" dirty="0"/>
+              <a:t>linear</a:t>
+            </a:r>
+          </a:p>
+        </p:txBody>
+      </p:sp>
+    </p:spTree>
+    <p:extLst>
+      <p:ext uri="{BB962C8B-B14F-4D97-AF65-F5344CB8AC3E}">
+        <p14:creationId xmlns:p14="http://schemas.microsoft.com/office/powerpoint/2010/main" val="4289223521"/>
+      </p:ext>
+    </p:extLst>
+  </p:cSld>
+  <p:clrMapOvr>
+    <a:masterClrMapping/>
+  </p:clrMapOvr>
+</p:sld>
+</file>
+
+<file path=ppt/slides/slide11.xml><?xml version="1.0" encoding="utf-8"?>
+<p:sld xmlns:a="http://schemas.openxmlformats.org/drawingml/2006/main" xmlns:r="http://schemas.openxmlformats.org/officeDocument/2006/relationships" xmlns:p="http://schemas.openxmlformats.org/presentationml/2006/main">
+  <p:cSld>
+    <p:bg>
+      <p:bgPr>
+        <a:blipFill rotWithShape="1">
+          <a:blip r:embed="rId2">
+            <a:duotone>
+              <a:schemeClr val="bg2">
+                <a:shade val="28000"/>
+                <a:satMod val="94000"/>
+                <a:lumMod val="20000"/>
+              </a:schemeClr>
+              <a:schemeClr val="bg2">
+                <a:tint val="94000"/>
+                <a:shade val="84000"/>
+                <a:satMod val="148000"/>
+                <a:lumMod val="114000"/>
+              </a:schemeClr>
+            </a:duotone>
+          </a:blip>
+          <a:stretch/>
+        </a:blipFill>
+        <a:effectLst/>
+      </p:bgPr>
+    </p:bg>
+    <p:spTree>
+      <p:nvGrpSpPr>
+        <p:cNvPr id="1" name=""/>
+        <p:cNvGrpSpPr/>
+        <p:nvPr/>
+      </p:nvGrpSpPr>
+      <p:grpSpPr>
+        <a:xfrm>
+          <a:off x="0" y="0"/>
+          <a:ext cx="0" cy="0"/>
+          <a:chOff x="0" y="0"/>
+          <a:chExt cx="0" cy="0"/>
+        </a:xfrm>
+      </p:grpSpPr>
+      <p:sp>
+        <p:nvSpPr>
+          <p:cNvPr id="2" name="Title 1">
+            <a:extLst>
+              <a:ext uri="{FF2B5EF4-FFF2-40B4-BE49-F238E27FC236}">
+                <a16:creationId xmlns:a16="http://schemas.microsoft.com/office/drawing/2014/main" id="{22DEAB8B-05A2-CB87-297A-E7362F52C29A}"/>
+              </a:ext>
+            </a:extLst>
+          </p:cNvPr>
+          <p:cNvSpPr>
+            <a:spLocks noGrp="1"/>
+          </p:cNvSpPr>
+          <p:nvPr>
+            <p:ph type="ctrTitle"/>
+          </p:nvPr>
+        </p:nvSpPr>
+        <p:spPr>
+          <a:xfrm>
+            <a:off x="1751012" y="4363271"/>
+            <a:ext cx="8676222" cy="1066801"/>
+          </a:xfrm>
+        </p:spPr>
+        <p:txBody>
+          <a:bodyPr>
+            <a:normAutofit/>
+          </a:bodyPr>
+          <a:lstStyle/>
+          <a:p>
+            <a:r>
+              <a:rPr lang="en-US" dirty="0"/>
+              <a:t>extensions</a:t>
+            </a:r>
+          </a:p>
+        </p:txBody>
+      </p:sp>
+      <p:sp>
+        <p:nvSpPr>
+          <p:cNvPr id="3" name="Subtitle 2">
+            <a:extLst>
+              <a:ext uri="{FF2B5EF4-FFF2-40B4-BE49-F238E27FC236}">
+                <a16:creationId xmlns:a16="http://schemas.microsoft.com/office/drawing/2014/main" id="{5E72B1CE-A9F8-FA55-BC92-F4D1D50170AD}"/>
+              </a:ext>
+            </a:extLst>
+          </p:cNvPr>
+          <p:cNvSpPr>
+            <a:spLocks noGrp="1"/>
+          </p:cNvSpPr>
+          <p:nvPr>
+            <p:ph type="subTitle" idx="1"/>
+          </p:nvPr>
+        </p:nvSpPr>
+        <p:spPr>
+          <a:xfrm>
+            <a:off x="1751012" y="5516211"/>
+            <a:ext cx="8676222" cy="722243"/>
+          </a:xfrm>
+        </p:spPr>
+        <p:txBody>
+          <a:bodyPr>
+            <a:normAutofit/>
+          </a:bodyPr>
+          <a:lstStyle/>
+          <a:p>
+            <a:r>
+              <a:rPr lang="en-US" dirty="0" err="1"/>
+              <a:t>tSNE</a:t>
+            </a:r>
+            <a:r>
+              <a:rPr lang="en-US" dirty="0"/>
+              <a:t>, autoencoders, etc.</a:t>
+            </a:r>
+          </a:p>
+        </p:txBody>
+      </p:sp>
+    </p:spTree>
+    <p:extLst>
+      <p:ext uri="{BB962C8B-B14F-4D97-AF65-F5344CB8AC3E}">
+        <p14:creationId xmlns:p14="http://schemas.microsoft.com/office/powerpoint/2010/main" val="3794183018"/>
+      </p:ext>
+    </p:extLst>
+  </p:cSld>
+  <p:clrMapOvr>
+    <a:masterClrMapping/>
+  </p:clrMapOvr>
+</p:sld>
+</file>
+
+<file path=ppt/slides/slide12.xml><?xml version="1.0" encoding="utf-8"?>
+<p:sld xmlns:a="http://schemas.openxmlformats.org/drawingml/2006/main" xmlns:r="http://schemas.openxmlformats.org/officeDocument/2006/relationships" xmlns:p="http://schemas.openxmlformats.org/presentationml/2006/main">
+  <p:cSld>
+    <p:bg>
+      <p:bgPr>
+        <a:blipFill rotWithShape="1">
+          <a:blip r:embed="rId2">
+            <a:duotone>
+              <a:schemeClr val="bg2">
+                <a:shade val="28000"/>
+                <a:satMod val="94000"/>
+                <a:lumMod val="20000"/>
+              </a:schemeClr>
+              <a:schemeClr val="bg2">
+                <a:tint val="94000"/>
+                <a:shade val="84000"/>
+                <a:satMod val="148000"/>
+                <a:lumMod val="114000"/>
+              </a:schemeClr>
+            </a:duotone>
+          </a:blip>
+          <a:stretch/>
+        </a:blipFill>
+        <a:effectLst/>
+      </p:bgPr>
+    </p:bg>
+    <p:spTree>
+      <p:nvGrpSpPr>
+        <p:cNvPr id="1" name=""/>
+        <p:cNvGrpSpPr/>
+        <p:nvPr/>
+      </p:nvGrpSpPr>
+      <p:grpSpPr>
+        <a:xfrm>
+          <a:off x="0" y="0"/>
+          <a:ext cx="0" cy="0"/>
+          <a:chOff x="0" y="0"/>
+          <a:chExt cx="0" cy="0"/>
+        </a:xfrm>
+      </p:grpSpPr>
+      <p:sp>
+        <p:nvSpPr>
+          <p:cNvPr id="2" name="Title 1">
+            <a:extLst>
+              <a:ext uri="{FF2B5EF4-FFF2-40B4-BE49-F238E27FC236}">
+                <a16:creationId xmlns:a16="http://schemas.microsoft.com/office/drawing/2014/main" id="{22DEAB8B-05A2-CB87-297A-E7362F52C29A}"/>
+              </a:ext>
+            </a:extLst>
+          </p:cNvPr>
+          <p:cNvSpPr>
+            <a:spLocks noGrp="1"/>
+          </p:cNvSpPr>
+          <p:nvPr>
+            <p:ph type="ctrTitle"/>
+          </p:nvPr>
+        </p:nvSpPr>
+        <p:spPr>
+          <a:xfrm>
+            <a:off x="1751012" y="4363271"/>
+            <a:ext cx="8676222" cy="1066801"/>
+          </a:xfrm>
+        </p:spPr>
+        <p:txBody>
+          <a:bodyPr>
+            <a:normAutofit/>
+          </a:bodyPr>
+          <a:lstStyle/>
+          <a:p>
+            <a:r>
+              <a:rPr lang="en-US" dirty="0"/>
+              <a:t>activities</a:t>
+            </a:r>
+          </a:p>
+        </p:txBody>
+      </p:sp>
+      <p:sp>
+        <p:nvSpPr>
+          <p:cNvPr id="3" name="Subtitle 2">
+            <a:extLst>
+              <a:ext uri="{FF2B5EF4-FFF2-40B4-BE49-F238E27FC236}">
+                <a16:creationId xmlns:a16="http://schemas.microsoft.com/office/drawing/2014/main" id="{5E72B1CE-A9F8-FA55-BC92-F4D1D50170AD}"/>
+              </a:ext>
+            </a:extLst>
+          </p:cNvPr>
+          <p:cNvSpPr>
+            <a:spLocks noGrp="1"/>
+          </p:cNvSpPr>
+          <p:nvPr>
+            <p:ph type="subTitle" idx="1"/>
+          </p:nvPr>
+        </p:nvSpPr>
+        <p:spPr>
+          <a:xfrm>
+            <a:off x="1751012" y="5516211"/>
+            <a:ext cx="8676222" cy="722243"/>
+          </a:xfrm>
+        </p:spPr>
+        <p:txBody>
+          <a:bodyPr>
+            <a:normAutofit/>
+          </a:bodyPr>
+          <a:lstStyle/>
+          <a:p>
+            <a:r>
+              <a:rPr lang="en-US" dirty="0"/>
+              <a:t>browser</a:t>
+            </a:r>
+          </a:p>
+        </p:txBody>
+      </p:sp>
+    </p:spTree>
+    <p:extLst>
+      <p:ext uri="{BB962C8B-B14F-4D97-AF65-F5344CB8AC3E}">
+        <p14:creationId xmlns:p14="http://schemas.microsoft.com/office/powerpoint/2010/main" val="1280530476"/>
+      </p:ext>
+    </p:extLst>
+  </p:cSld>
+  <p:clrMapOvr>
+    <a:masterClrMapping/>
+  </p:clrMapOvr>
+</p:sld>
+</file>
+
+<file path=ppt/slides/slide13.xml><?xml version="1.0" encoding="utf-8"?>
+<p:sld xmlns:a="http://schemas.openxmlformats.org/drawingml/2006/main" xmlns:r="http://schemas.openxmlformats.org/officeDocument/2006/relationships" xmlns:p="http://schemas.openxmlformats.org/presentationml/2006/main">
+  <p:cSld>
+    <p:bg>
+      <p:bgPr>
+        <a:blipFill rotWithShape="1">
+          <a:blip r:embed="rId2">
+            <a:duotone>
+              <a:schemeClr val="bg2">
+                <a:shade val="28000"/>
+                <a:satMod val="94000"/>
+                <a:lumMod val="20000"/>
+              </a:schemeClr>
+              <a:schemeClr val="bg2">
+                <a:tint val="94000"/>
+                <a:shade val="84000"/>
+                <a:satMod val="148000"/>
+                <a:lumMod val="114000"/>
+              </a:schemeClr>
+            </a:duotone>
+          </a:blip>
+          <a:stretch/>
+        </a:blipFill>
+        <a:effectLst/>
+      </p:bgPr>
+    </p:bg>
+    <p:spTree>
+      <p:nvGrpSpPr>
+        <p:cNvPr id="1" name=""/>
+        <p:cNvGrpSpPr/>
+        <p:nvPr/>
+      </p:nvGrpSpPr>
+      <p:grpSpPr>
+        <a:xfrm>
+          <a:off x="0" y="0"/>
+          <a:ext cx="0" cy="0"/>
+          <a:chOff x="0" y="0"/>
+          <a:chExt cx="0" cy="0"/>
+        </a:xfrm>
+      </p:grpSpPr>
+      <p:sp>
+        <p:nvSpPr>
+          <p:cNvPr id="2" name="Title 1">
+            <a:extLst>
+              <a:ext uri="{FF2B5EF4-FFF2-40B4-BE49-F238E27FC236}">
+                <a16:creationId xmlns:a16="http://schemas.microsoft.com/office/drawing/2014/main" id="{22DEAB8B-05A2-CB87-297A-E7362F52C29A}"/>
+              </a:ext>
+            </a:extLst>
+          </p:cNvPr>
+          <p:cNvSpPr>
+            <a:spLocks noGrp="1"/>
+          </p:cNvSpPr>
+          <p:nvPr>
+            <p:ph type="ctrTitle"/>
+          </p:nvPr>
+        </p:nvSpPr>
+        <p:spPr>
+          <a:xfrm>
+            <a:off x="1751012" y="4363271"/>
+            <a:ext cx="8676222" cy="1066801"/>
+          </a:xfrm>
+        </p:spPr>
+        <p:txBody>
+          <a:bodyPr>
+            <a:normAutofit/>
+          </a:bodyPr>
+          <a:lstStyle/>
+          <a:p>
+            <a:r>
+              <a:rPr lang="en-US" dirty="0"/>
+              <a:t>activities</a:t>
+            </a:r>
+          </a:p>
+        </p:txBody>
+      </p:sp>
+      <p:sp>
+        <p:nvSpPr>
+          <p:cNvPr id="3" name="Subtitle 2">
+            <a:extLst>
+              <a:ext uri="{FF2B5EF4-FFF2-40B4-BE49-F238E27FC236}">
+                <a16:creationId xmlns:a16="http://schemas.microsoft.com/office/drawing/2014/main" id="{5E72B1CE-A9F8-FA55-BC92-F4D1D50170AD}"/>
+              </a:ext>
+            </a:extLst>
+          </p:cNvPr>
+          <p:cNvSpPr>
+            <a:spLocks noGrp="1"/>
+          </p:cNvSpPr>
+          <p:nvPr>
+            <p:ph type="subTitle" idx="1"/>
+          </p:nvPr>
+        </p:nvSpPr>
+        <p:spPr>
+          <a:xfrm>
+            <a:off x="1751012" y="5516211"/>
+            <a:ext cx="8676222" cy="722243"/>
+          </a:xfrm>
+        </p:spPr>
+        <p:txBody>
+          <a:bodyPr>
+            <a:normAutofit/>
+          </a:bodyPr>
+          <a:lstStyle/>
+          <a:p>
+            <a:r>
+              <a:rPr lang="en-US" dirty="0"/>
+              <a:t>browser</a:t>
+            </a:r>
+          </a:p>
+        </p:txBody>
+      </p:sp>
+    </p:spTree>
+    <p:extLst>
+      <p:ext uri="{BB962C8B-B14F-4D97-AF65-F5344CB8AC3E}">
+        <p14:creationId xmlns:p14="http://schemas.microsoft.com/office/powerpoint/2010/main" val="2746589300"/>
+      </p:ext>
+    </p:extLst>
+  </p:cSld>
+  <p:clrMapOvr>
+    <a:masterClrMapping/>
+  </p:clrMapOvr>
+</p:sld>
+</file>
+
+<file path=ppt/slides/slide14.xml><?xml version="1.0" encoding="utf-8"?>
+<p:sld xmlns:a="http://schemas.openxmlformats.org/drawingml/2006/main" xmlns:r="http://schemas.openxmlformats.org/officeDocument/2006/relationships" xmlns:p="http://schemas.openxmlformats.org/presentationml/2006/main">
+  <p:cSld>
+    <p:bg>
+      <p:bgPr>
+        <a:blipFill rotWithShape="1">
+          <a:blip r:embed="rId2">
+            <a:duotone>
+              <a:schemeClr val="bg2">
+                <a:shade val="28000"/>
+                <a:satMod val="94000"/>
+                <a:lumMod val="20000"/>
+              </a:schemeClr>
+              <a:schemeClr val="bg2">
+                <a:tint val="94000"/>
+                <a:shade val="84000"/>
+                <a:satMod val="148000"/>
+                <a:lumMod val="114000"/>
+              </a:schemeClr>
+            </a:duotone>
+          </a:blip>
+          <a:stretch/>
+        </a:blipFill>
+        <a:effectLst/>
+      </p:bgPr>
+    </p:bg>
+    <p:spTree>
+      <p:nvGrpSpPr>
+        <p:cNvPr id="1" name=""/>
+        <p:cNvGrpSpPr/>
+        <p:nvPr/>
+      </p:nvGrpSpPr>
+      <p:grpSpPr>
+        <a:xfrm>
+          <a:off x="0" y="0"/>
+          <a:ext cx="0" cy="0"/>
+          <a:chOff x="0" y="0"/>
+          <a:chExt cx="0" cy="0"/>
+        </a:xfrm>
+      </p:grpSpPr>
+      <p:sp>
+        <p:nvSpPr>
+          <p:cNvPr id="2" name="Title 1">
+            <a:extLst>
+              <a:ext uri="{FF2B5EF4-FFF2-40B4-BE49-F238E27FC236}">
+                <a16:creationId xmlns:a16="http://schemas.microsoft.com/office/drawing/2014/main" id="{22DEAB8B-05A2-CB87-297A-E7362F52C29A}"/>
+              </a:ext>
+            </a:extLst>
+          </p:cNvPr>
+          <p:cNvSpPr>
+            <a:spLocks noGrp="1"/>
+          </p:cNvSpPr>
+          <p:nvPr>
+            <p:ph type="ctrTitle"/>
+          </p:nvPr>
+        </p:nvSpPr>
+        <p:spPr>
+          <a:xfrm>
+            <a:off x="1751012" y="4363271"/>
+            <a:ext cx="8676222" cy="1066801"/>
+          </a:xfrm>
+        </p:spPr>
+        <p:txBody>
+          <a:bodyPr>
+            <a:normAutofit/>
+          </a:bodyPr>
+          <a:lstStyle/>
+          <a:p>
             <a:endParaRPr lang="en-US" dirty="0"/>
           </a:p>
         </p:txBody>

--- a/Presentation_intro.pptx
+++ b/Presentation_intro.pptx
@@ -6054,7 +6054,7 @@
         </p:nvSpPr>
         <p:spPr>
           <a:xfrm>
-            <a:off x="1751012" y="4363271"/>
+            <a:off x="1751012" y="277401"/>
             <a:ext cx="8676222" cy="1066801"/>
           </a:xfrm>
         </p:spPr>
@@ -6089,7 +6089,7 @@
         </p:nvSpPr>
         <p:spPr>
           <a:xfrm>
-            <a:off x="1751012" y="5516211"/>
+            <a:off x="1751012" y="5886602"/>
             <a:ext cx="8676222" cy="722243"/>
           </a:xfrm>
         </p:spPr>
@@ -6100,12 +6100,43 @@
           <a:lstStyle/>
           <a:p>
             <a:r>
-              <a:rPr lang="en-US" dirty="0"/>
-              <a:t>browser</a:t>
-            </a:r>
-          </a:p>
-        </p:txBody>
-      </p:sp>
+              <a:rPr lang="en-US"/>
+              <a:t>http://projector.tensorflow.org/</a:t>
+            </a:r>
+            <a:endParaRPr lang="en-US" dirty="0"/>
+          </a:p>
+        </p:txBody>
+      </p:sp>
+      <p:pic>
+        <p:nvPicPr>
+          <p:cNvPr id="5" name="Picture 4" descr="A screenshot of a computer&#10;&#10;Description automatically generated">
+            <a:extLst>
+              <a:ext uri="{FF2B5EF4-FFF2-40B4-BE49-F238E27FC236}">
+                <a16:creationId xmlns:a16="http://schemas.microsoft.com/office/drawing/2014/main" id="{4F9D7C5C-8008-0C8C-7019-88271094DC68}"/>
+              </a:ext>
+            </a:extLst>
+          </p:cNvPr>
+          <p:cNvPicPr>
+            <a:picLocks noChangeAspect="1"/>
+          </p:cNvPicPr>
+          <p:nvPr/>
+        </p:nvPicPr>
+        <p:blipFill>
+          <a:blip r:embed="rId3"/>
+          <a:stretch>
+            <a:fillRect/>
+          </a:stretch>
+        </p:blipFill>
+        <p:spPr>
+          <a:xfrm>
+            <a:off x="2642145" y="1344202"/>
+            <a:ext cx="6907709" cy="4442898"/>
+          </a:xfrm>
+          <a:prstGeom prst="rect">
+            <a:avLst/>
+          </a:prstGeom>
+        </p:spPr>
+      </p:pic>
     </p:spTree>
     <p:extLst>
       <p:ext uri="{BB962C8B-B14F-4D97-AF65-F5344CB8AC3E}">

--- a/Presentation_intro.pptx
+++ b/Presentation_intro.pptx
@@ -7,8 +7,8 @@
   <p:sldIdLst>
     <p:sldId id="256" r:id="rId2"/>
     <p:sldId id="257" r:id="rId3"/>
-    <p:sldId id="258" r:id="rId4"/>
-    <p:sldId id="259" r:id="rId5"/>
+    <p:sldId id="259" r:id="rId4"/>
+    <p:sldId id="258" r:id="rId5"/>
     <p:sldId id="260" r:id="rId6"/>
     <p:sldId id="261" r:id="rId7"/>
     <p:sldId id="262" r:id="rId8"/>
@@ -17,8 +17,7 @@
     <p:sldId id="268" r:id="rId11"/>
     <p:sldId id="269" r:id="rId12"/>
     <p:sldId id="266" r:id="rId13"/>
-    <p:sldId id="267" r:id="rId14"/>
-    <p:sldId id="263" r:id="rId15"/>
+    <p:sldId id="263" r:id="rId14"/>
   </p:sldIdLst>
   <p:sldSz cx="12192000" cy="6858000"/>
   <p:notesSz cx="6858000" cy="9144000"/>
@@ -5788,41 +5787,6 @@
       </p:grpSpPr>
       <p:sp>
         <p:nvSpPr>
-          <p:cNvPr id="2" name="Title 1">
-            <a:extLst>
-              <a:ext uri="{FF2B5EF4-FFF2-40B4-BE49-F238E27FC236}">
-                <a16:creationId xmlns:a16="http://schemas.microsoft.com/office/drawing/2014/main" id="{22DEAB8B-05A2-CB87-297A-E7362F52C29A}"/>
-              </a:ext>
-            </a:extLst>
-          </p:cNvPr>
-          <p:cNvSpPr>
-            <a:spLocks noGrp="1"/>
-          </p:cNvSpPr>
-          <p:nvPr>
-            <p:ph type="ctrTitle"/>
-          </p:nvPr>
-        </p:nvSpPr>
-        <p:spPr>
-          <a:xfrm>
-            <a:off x="1751012" y="4363271"/>
-            <a:ext cx="8676222" cy="1066801"/>
-          </a:xfrm>
-        </p:spPr>
-        <p:txBody>
-          <a:bodyPr>
-            <a:normAutofit/>
-          </a:bodyPr>
-          <a:lstStyle/>
-          <a:p>
-            <a:r>
-              <a:rPr lang="en-US" dirty="0"/>
-              <a:t>assumptions</a:t>
-            </a:r>
-          </a:p>
-        </p:txBody>
-      </p:sp>
-      <p:sp>
-        <p:nvSpPr>
           <p:cNvPr id="3" name="Subtitle 2">
             <a:extLst>
               <a:ext uri="{FF2B5EF4-FFF2-40B4-BE49-F238E27FC236}">
@@ -5853,6 +5817,166 @@
               <a:rPr lang="en-US" dirty="0"/>
               <a:t>linear</a:t>
             </a:r>
+          </a:p>
+        </p:txBody>
+      </p:sp>
+      <p:sp>
+        <p:nvSpPr>
+          <p:cNvPr id="4" name="Title 1">
+            <a:extLst>
+              <a:ext uri="{FF2B5EF4-FFF2-40B4-BE49-F238E27FC236}">
+                <a16:creationId xmlns:a16="http://schemas.microsoft.com/office/drawing/2014/main" id="{ECB4E234-ACBA-B8AC-C398-E14DFA4EBE87}"/>
+              </a:ext>
+            </a:extLst>
+          </p:cNvPr>
+          <p:cNvSpPr txBox="1">
+            <a:spLocks/>
+          </p:cNvSpPr>
+          <p:nvPr/>
+        </p:nvSpPr>
+        <p:spPr>
+          <a:xfrm>
+            <a:off x="1608137" y="505646"/>
+            <a:ext cx="8676222" cy="1066801"/>
+          </a:xfrm>
+          <a:prstGeom prst="rect">
+            <a:avLst/>
+          </a:prstGeom>
+        </p:spPr>
+        <p:txBody>
+          <a:bodyPr vert="horz" lIns="91440" tIns="45720" rIns="91440" bIns="45720" rtlCol="0" anchor="b">
+            <a:normAutofit/>
+          </a:bodyPr>
+          <a:lstStyle>
+            <a:lvl1pPr algn="ctr" defTabSz="457200" rtl="0" eaLnBrk="1" latinLnBrk="0" hangingPunct="1">
+              <a:spcBef>
+                <a:spcPct val="0"/>
+              </a:spcBef>
+              <a:buNone/>
+              <a:defRPr sz="4800" kern="1200" cap="all">
+                <a:ln w="3175" cmpd="sng">
+                  <a:noFill/>
+                </a:ln>
+                <a:gradFill flip="none" rotWithShape="1">
+                  <a:gsLst>
+                    <a:gs pos="0">
+                      <a:schemeClr val="tx1"/>
+                    </a:gs>
+                    <a:gs pos="100000">
+                      <a:schemeClr val="tx1">
+                        <a:lumMod val="65000"/>
+                      </a:schemeClr>
+                    </a:gs>
+                  </a:gsLst>
+                  <a:lin ang="5580000" scaled="0"/>
+                  <a:tileRect/>
+                </a:gradFill>
+                <a:effectLst>
+                  <a:glow rad="38100">
+                    <a:schemeClr val="bg1">
+                      <a:lumMod val="65000"/>
+                      <a:lumOff val="35000"/>
+                      <a:alpha val="50000"/>
+                    </a:schemeClr>
+                  </a:glow>
+                  <a:outerShdw blurRad="28575" dist="31750" dir="13200000" algn="tl" rotWithShape="0">
+                    <a:srgbClr val="000000">
+                      <a:alpha val="25000"/>
+                    </a:srgbClr>
+                  </a:outerShdw>
+                </a:effectLst>
+                <a:latin typeface="+mj-lt"/>
+                <a:ea typeface="+mj-ea"/>
+                <a:cs typeface="+mj-cs"/>
+              </a:defRPr>
+            </a:lvl1pPr>
+            <a:lvl2pPr eaLnBrk="1" hangingPunct="1">
+              <a:defRPr>
+                <a:solidFill>
+                  <a:schemeClr val="tx2"/>
+                </a:solidFill>
+              </a:defRPr>
+            </a:lvl2pPr>
+            <a:lvl3pPr eaLnBrk="1" hangingPunct="1">
+              <a:defRPr>
+                <a:solidFill>
+                  <a:schemeClr val="tx2"/>
+                </a:solidFill>
+              </a:defRPr>
+            </a:lvl3pPr>
+            <a:lvl4pPr eaLnBrk="1" hangingPunct="1">
+              <a:defRPr>
+                <a:solidFill>
+                  <a:schemeClr val="tx2"/>
+                </a:solidFill>
+              </a:defRPr>
+            </a:lvl4pPr>
+            <a:lvl5pPr eaLnBrk="1" hangingPunct="1">
+              <a:defRPr>
+                <a:solidFill>
+                  <a:schemeClr val="tx2"/>
+                </a:solidFill>
+              </a:defRPr>
+            </a:lvl5pPr>
+            <a:lvl6pPr eaLnBrk="1" hangingPunct="1">
+              <a:defRPr>
+                <a:solidFill>
+                  <a:schemeClr val="tx2"/>
+                </a:solidFill>
+              </a:defRPr>
+            </a:lvl6pPr>
+            <a:lvl7pPr eaLnBrk="1" hangingPunct="1">
+              <a:defRPr>
+                <a:solidFill>
+                  <a:schemeClr val="tx2"/>
+                </a:solidFill>
+              </a:defRPr>
+            </a:lvl7pPr>
+            <a:lvl8pPr eaLnBrk="1" hangingPunct="1">
+              <a:defRPr>
+                <a:solidFill>
+                  <a:schemeClr val="tx2"/>
+                </a:solidFill>
+              </a:defRPr>
+            </a:lvl8pPr>
+            <a:lvl9pPr eaLnBrk="1" hangingPunct="1">
+              <a:defRPr>
+                <a:solidFill>
+                  <a:schemeClr val="tx2"/>
+                </a:solidFill>
+              </a:defRPr>
+            </a:lvl9pPr>
+          </a:lstStyle>
+          <a:p>
+            <a:r>
+              <a:rPr lang="en-US" dirty="0"/>
+              <a:t>assumptions</a:t>
+            </a:r>
+          </a:p>
+        </p:txBody>
+      </p:sp>
+      <p:sp>
+        <p:nvSpPr>
+          <p:cNvPr id="6" name="Title 5">
+            <a:extLst>
+              <a:ext uri="{FF2B5EF4-FFF2-40B4-BE49-F238E27FC236}">
+                <a16:creationId xmlns:a16="http://schemas.microsoft.com/office/drawing/2014/main" id="{01E135A5-5675-664B-88DC-FFA664A4EC7F}"/>
+              </a:ext>
+            </a:extLst>
+          </p:cNvPr>
+          <p:cNvSpPr>
+            <a:spLocks noGrp="1"/>
+          </p:cNvSpPr>
+          <p:nvPr>
+            <p:ph type="ctrTitle"/>
+          </p:nvPr>
+        </p:nvSpPr>
+        <p:spPr/>
+        <p:txBody>
+          <a:bodyPr/>
+          <a:lstStyle/>
+          <a:p>
+            <a:endParaRPr lang="en-US" dirty="0"/>
           </a:p>
         </p:txBody>
       </p:sp>
@@ -5911,41 +6035,6 @@
       </p:grpSpPr>
       <p:sp>
         <p:nvSpPr>
-          <p:cNvPr id="2" name="Title 1">
-            <a:extLst>
-              <a:ext uri="{FF2B5EF4-FFF2-40B4-BE49-F238E27FC236}">
-                <a16:creationId xmlns:a16="http://schemas.microsoft.com/office/drawing/2014/main" id="{22DEAB8B-05A2-CB87-297A-E7362F52C29A}"/>
-              </a:ext>
-            </a:extLst>
-          </p:cNvPr>
-          <p:cNvSpPr>
-            <a:spLocks noGrp="1"/>
-          </p:cNvSpPr>
-          <p:nvPr>
-            <p:ph type="ctrTitle"/>
-          </p:nvPr>
-        </p:nvSpPr>
-        <p:spPr>
-          <a:xfrm>
-            <a:off x="1751012" y="4363271"/>
-            <a:ext cx="8676222" cy="1066801"/>
-          </a:xfrm>
-        </p:spPr>
-        <p:txBody>
-          <a:bodyPr>
-            <a:normAutofit/>
-          </a:bodyPr>
-          <a:lstStyle/>
-          <a:p>
-            <a:r>
-              <a:rPr lang="en-US" dirty="0"/>
-              <a:t>extensions</a:t>
-            </a:r>
-          </a:p>
-        </p:txBody>
-      </p:sp>
-      <p:sp>
-        <p:nvSpPr>
           <p:cNvPr id="3" name="Subtitle 2">
             <a:extLst>
               <a:ext uri="{FF2B5EF4-FFF2-40B4-BE49-F238E27FC236}">
@@ -5980,6 +6069,166 @@
               <a:rPr lang="en-US" dirty="0"/>
               <a:t>, autoencoders, etc.</a:t>
             </a:r>
+          </a:p>
+        </p:txBody>
+      </p:sp>
+      <p:sp>
+        <p:nvSpPr>
+          <p:cNvPr id="4" name="Title 1">
+            <a:extLst>
+              <a:ext uri="{FF2B5EF4-FFF2-40B4-BE49-F238E27FC236}">
+                <a16:creationId xmlns:a16="http://schemas.microsoft.com/office/drawing/2014/main" id="{8A0542F5-B3F7-20AF-FD6C-29ED50640429}"/>
+              </a:ext>
+            </a:extLst>
+          </p:cNvPr>
+          <p:cNvSpPr txBox="1">
+            <a:spLocks/>
+          </p:cNvSpPr>
+          <p:nvPr/>
+        </p:nvSpPr>
+        <p:spPr>
+          <a:xfrm>
+            <a:off x="1608137" y="505646"/>
+            <a:ext cx="8676222" cy="1066801"/>
+          </a:xfrm>
+          <a:prstGeom prst="rect">
+            <a:avLst/>
+          </a:prstGeom>
+        </p:spPr>
+        <p:txBody>
+          <a:bodyPr vert="horz" lIns="91440" tIns="45720" rIns="91440" bIns="45720" rtlCol="0" anchor="b">
+            <a:normAutofit/>
+          </a:bodyPr>
+          <a:lstStyle>
+            <a:lvl1pPr algn="ctr" defTabSz="457200" rtl="0" eaLnBrk="1" latinLnBrk="0" hangingPunct="1">
+              <a:spcBef>
+                <a:spcPct val="0"/>
+              </a:spcBef>
+              <a:buNone/>
+              <a:defRPr sz="4800" kern="1200" cap="all">
+                <a:ln w="3175" cmpd="sng">
+                  <a:noFill/>
+                </a:ln>
+                <a:gradFill flip="none" rotWithShape="1">
+                  <a:gsLst>
+                    <a:gs pos="0">
+                      <a:schemeClr val="tx1"/>
+                    </a:gs>
+                    <a:gs pos="100000">
+                      <a:schemeClr val="tx1">
+                        <a:lumMod val="65000"/>
+                      </a:schemeClr>
+                    </a:gs>
+                  </a:gsLst>
+                  <a:lin ang="5580000" scaled="0"/>
+                  <a:tileRect/>
+                </a:gradFill>
+                <a:effectLst>
+                  <a:glow rad="38100">
+                    <a:schemeClr val="bg1">
+                      <a:lumMod val="65000"/>
+                      <a:lumOff val="35000"/>
+                      <a:alpha val="50000"/>
+                    </a:schemeClr>
+                  </a:glow>
+                  <a:outerShdw blurRad="28575" dist="31750" dir="13200000" algn="tl" rotWithShape="0">
+                    <a:srgbClr val="000000">
+                      <a:alpha val="25000"/>
+                    </a:srgbClr>
+                  </a:outerShdw>
+                </a:effectLst>
+                <a:latin typeface="+mj-lt"/>
+                <a:ea typeface="+mj-ea"/>
+                <a:cs typeface="+mj-cs"/>
+              </a:defRPr>
+            </a:lvl1pPr>
+            <a:lvl2pPr eaLnBrk="1" hangingPunct="1">
+              <a:defRPr>
+                <a:solidFill>
+                  <a:schemeClr val="tx2"/>
+                </a:solidFill>
+              </a:defRPr>
+            </a:lvl2pPr>
+            <a:lvl3pPr eaLnBrk="1" hangingPunct="1">
+              <a:defRPr>
+                <a:solidFill>
+                  <a:schemeClr val="tx2"/>
+                </a:solidFill>
+              </a:defRPr>
+            </a:lvl3pPr>
+            <a:lvl4pPr eaLnBrk="1" hangingPunct="1">
+              <a:defRPr>
+                <a:solidFill>
+                  <a:schemeClr val="tx2"/>
+                </a:solidFill>
+              </a:defRPr>
+            </a:lvl4pPr>
+            <a:lvl5pPr eaLnBrk="1" hangingPunct="1">
+              <a:defRPr>
+                <a:solidFill>
+                  <a:schemeClr val="tx2"/>
+                </a:solidFill>
+              </a:defRPr>
+            </a:lvl5pPr>
+            <a:lvl6pPr eaLnBrk="1" hangingPunct="1">
+              <a:defRPr>
+                <a:solidFill>
+                  <a:schemeClr val="tx2"/>
+                </a:solidFill>
+              </a:defRPr>
+            </a:lvl6pPr>
+            <a:lvl7pPr eaLnBrk="1" hangingPunct="1">
+              <a:defRPr>
+                <a:solidFill>
+                  <a:schemeClr val="tx2"/>
+                </a:solidFill>
+              </a:defRPr>
+            </a:lvl7pPr>
+            <a:lvl8pPr eaLnBrk="1" hangingPunct="1">
+              <a:defRPr>
+                <a:solidFill>
+                  <a:schemeClr val="tx2"/>
+                </a:solidFill>
+              </a:defRPr>
+            </a:lvl8pPr>
+            <a:lvl9pPr eaLnBrk="1" hangingPunct="1">
+              <a:defRPr>
+                <a:solidFill>
+                  <a:schemeClr val="tx2"/>
+                </a:solidFill>
+              </a:defRPr>
+            </a:lvl9pPr>
+          </a:lstStyle>
+          <a:p>
+            <a:r>
+              <a:rPr lang="en-US" dirty="0"/>
+              <a:t>extensions</a:t>
+            </a:r>
+          </a:p>
+        </p:txBody>
+      </p:sp>
+      <p:sp>
+        <p:nvSpPr>
+          <p:cNvPr id="6" name="Title 5">
+            <a:extLst>
+              <a:ext uri="{FF2B5EF4-FFF2-40B4-BE49-F238E27FC236}">
+                <a16:creationId xmlns:a16="http://schemas.microsoft.com/office/drawing/2014/main" id="{DB542C04-7F60-8AF3-F3A5-3F6814C54D54}"/>
+              </a:ext>
+            </a:extLst>
+          </p:cNvPr>
+          <p:cNvSpPr>
+            <a:spLocks noGrp="1"/>
+          </p:cNvSpPr>
+          <p:nvPr>
+            <p:ph type="ctrTitle"/>
+          </p:nvPr>
+        </p:nvSpPr>
+        <p:spPr/>
+        <p:txBody>
+          <a:bodyPr/>
+          <a:lstStyle/>
+          <a:p>
+            <a:endParaRPr lang="en-US"/>
           </a:p>
         </p:txBody>
       </p:sp>
@@ -6054,7 +6303,7 @@
         </p:nvSpPr>
         <p:spPr>
           <a:xfrm>
-            <a:off x="1751012" y="277401"/>
+            <a:off x="1751012" y="346851"/>
             <a:ext cx="8676222" cy="1066801"/>
           </a:xfrm>
         </p:spPr>
@@ -6089,7 +6338,7 @@
         </p:nvSpPr>
         <p:spPr>
           <a:xfrm>
-            <a:off x="1751012" y="5886602"/>
+            <a:off x="1751012" y="6048652"/>
             <a:ext cx="8676222" cy="722243"/>
           </a:xfrm>
         </p:spPr>
@@ -6100,10 +6349,17 @@
           <a:lstStyle/>
           <a:p>
             <a:r>
-              <a:rPr lang="en-US"/>
-              <a:t>http://projector.tensorflow.org/</a:t>
-            </a:r>
-            <a:endParaRPr lang="en-US" dirty="0"/>
+              <a:rPr lang="en-US" dirty="0"/>
+              <a:t>http://</a:t>
+            </a:r>
+            <a:r>
+              <a:rPr lang="en-US" dirty="0" err="1"/>
+              <a:t>projector.tensorflow.org</a:t>
+            </a:r>
+            <a:r>
+              <a:rPr lang="en-US" dirty="0"/>
+              <a:t>/</a:t>
+            </a:r>
           </a:p>
         </p:txBody>
       </p:sp>
@@ -6129,7 +6385,7 @@
         </p:blipFill>
         <p:spPr>
           <a:xfrm>
-            <a:off x="2642145" y="1344202"/>
+            <a:off x="2642145" y="1494677"/>
             <a:ext cx="6907709" cy="4442898"/>
           </a:xfrm>
           <a:prstGeom prst="rect">
@@ -6208,7 +6464,7 @@
         </p:nvSpPr>
         <p:spPr>
           <a:xfrm>
-            <a:off x="1751012" y="4363271"/>
+            <a:off x="1751012" y="404729"/>
             <a:ext cx="8676222" cy="1066801"/>
           </a:xfrm>
         </p:spPr>
@@ -6220,128 +6476,8 @@
           <a:p>
             <a:r>
               <a:rPr lang="en-US" dirty="0"/>
-              <a:t>activities</a:t>
-            </a:r>
-          </a:p>
-        </p:txBody>
-      </p:sp>
-      <p:sp>
-        <p:nvSpPr>
-          <p:cNvPr id="3" name="Subtitle 2">
-            <a:extLst>
-              <a:ext uri="{FF2B5EF4-FFF2-40B4-BE49-F238E27FC236}">
-                <a16:creationId xmlns:a16="http://schemas.microsoft.com/office/drawing/2014/main" id="{5E72B1CE-A9F8-FA55-BC92-F4D1D50170AD}"/>
-              </a:ext>
-            </a:extLst>
-          </p:cNvPr>
-          <p:cNvSpPr>
-            <a:spLocks noGrp="1"/>
-          </p:cNvSpPr>
-          <p:nvPr>
-            <p:ph type="subTitle" idx="1"/>
-          </p:nvPr>
-        </p:nvSpPr>
-        <p:spPr>
-          <a:xfrm>
-            <a:off x="1751012" y="5516211"/>
-            <a:ext cx="8676222" cy="722243"/>
-          </a:xfrm>
-        </p:spPr>
-        <p:txBody>
-          <a:bodyPr>
-            <a:normAutofit/>
-          </a:bodyPr>
-          <a:lstStyle/>
-          <a:p>
-            <a:r>
-              <a:rPr lang="en-US" dirty="0"/>
-              <a:t>browser</a:t>
-            </a:r>
-          </a:p>
-        </p:txBody>
-      </p:sp>
-    </p:spTree>
-    <p:extLst>
-      <p:ext uri="{BB962C8B-B14F-4D97-AF65-F5344CB8AC3E}">
-        <p14:creationId xmlns:p14="http://schemas.microsoft.com/office/powerpoint/2010/main" val="2746589300"/>
-      </p:ext>
-    </p:extLst>
-  </p:cSld>
-  <p:clrMapOvr>
-    <a:masterClrMapping/>
-  </p:clrMapOvr>
-</p:sld>
-</file>
-
-<file path=ppt/slides/slide14.xml><?xml version="1.0" encoding="utf-8"?>
-<p:sld xmlns:a="http://schemas.openxmlformats.org/drawingml/2006/main" xmlns:r="http://schemas.openxmlformats.org/officeDocument/2006/relationships" xmlns:p="http://schemas.openxmlformats.org/presentationml/2006/main">
-  <p:cSld>
-    <p:bg>
-      <p:bgPr>
-        <a:blipFill rotWithShape="1">
-          <a:blip r:embed="rId2">
-            <a:duotone>
-              <a:schemeClr val="bg2">
-                <a:shade val="28000"/>
-                <a:satMod val="94000"/>
-                <a:lumMod val="20000"/>
-              </a:schemeClr>
-              <a:schemeClr val="bg2">
-                <a:tint val="94000"/>
-                <a:shade val="84000"/>
-                <a:satMod val="148000"/>
-                <a:lumMod val="114000"/>
-              </a:schemeClr>
-            </a:duotone>
-          </a:blip>
-          <a:stretch/>
-        </a:blipFill>
-        <a:effectLst/>
-      </p:bgPr>
-    </p:bg>
-    <p:spTree>
-      <p:nvGrpSpPr>
-        <p:cNvPr id="1" name=""/>
-        <p:cNvGrpSpPr/>
-        <p:nvPr/>
-      </p:nvGrpSpPr>
-      <p:grpSpPr>
-        <a:xfrm>
-          <a:off x="0" y="0"/>
-          <a:ext cx="0" cy="0"/>
-          <a:chOff x="0" y="0"/>
-          <a:chExt cx="0" cy="0"/>
-        </a:xfrm>
-      </p:grpSpPr>
-      <p:sp>
-        <p:nvSpPr>
-          <p:cNvPr id="2" name="Title 1">
-            <a:extLst>
-              <a:ext uri="{FF2B5EF4-FFF2-40B4-BE49-F238E27FC236}">
-                <a16:creationId xmlns:a16="http://schemas.microsoft.com/office/drawing/2014/main" id="{22DEAB8B-05A2-CB87-297A-E7362F52C29A}"/>
-              </a:ext>
-            </a:extLst>
-          </p:cNvPr>
-          <p:cNvSpPr>
-            <a:spLocks noGrp="1"/>
-          </p:cNvSpPr>
-          <p:nvPr>
-            <p:ph type="ctrTitle"/>
-          </p:nvPr>
-        </p:nvSpPr>
-        <p:spPr>
-          <a:xfrm>
-            <a:off x="1751012" y="4363271"/>
-            <a:ext cx="8676222" cy="1066801"/>
-          </a:xfrm>
-        </p:spPr>
-        <p:txBody>
-          <a:bodyPr>
-            <a:normAutofit/>
-          </a:bodyPr>
-          <a:lstStyle/>
-          <a:p>
-            <a:endParaRPr lang="en-US" dirty="0"/>
+              <a:t>material</a:t>
+            </a:r>
           </a:p>
         </p:txBody>
       </p:sp>
@@ -6469,7 +6605,7 @@
         </p:nvSpPr>
         <p:spPr>
           <a:xfrm>
-            <a:off x="1751012" y="4363271"/>
+            <a:off x="1608137" y="505646"/>
             <a:ext cx="8676222" cy="1066801"/>
           </a:xfrm>
         </p:spPr>
@@ -6479,7 +6615,10 @@
           </a:bodyPr>
           <a:lstStyle/>
           <a:p>
-            <a:endParaRPr lang="en-US" dirty="0"/>
+            <a:r>
+              <a:rPr lang="en-US" dirty="0"/>
+              <a:t>Supervised learning</a:t>
+            </a:r>
           </a:p>
         </p:txBody>
       </p:sp>
@@ -6537,7 +6676,7 @@
         </p:blipFill>
         <p:spPr>
           <a:xfrm>
-            <a:off x="2472848" y="640080"/>
+            <a:off x="2472848" y="1768792"/>
             <a:ext cx="7241681" cy="3602736"/>
           </a:xfrm>
           <a:prstGeom prst="roundRect">
@@ -6625,38 +6764,6 @@
       </p:grpSpPr>
       <p:sp>
         <p:nvSpPr>
-          <p:cNvPr id="2" name="Title 1">
-            <a:extLst>
-              <a:ext uri="{FF2B5EF4-FFF2-40B4-BE49-F238E27FC236}">
-                <a16:creationId xmlns:a16="http://schemas.microsoft.com/office/drawing/2014/main" id="{22DEAB8B-05A2-CB87-297A-E7362F52C29A}"/>
-              </a:ext>
-            </a:extLst>
-          </p:cNvPr>
-          <p:cNvSpPr>
-            <a:spLocks noGrp="1"/>
-          </p:cNvSpPr>
-          <p:nvPr>
-            <p:ph type="ctrTitle"/>
-          </p:nvPr>
-        </p:nvSpPr>
-        <p:spPr>
-          <a:xfrm>
-            <a:off x="1751012" y="3883741"/>
-            <a:ext cx="8676222" cy="1335959"/>
-          </a:xfrm>
-        </p:spPr>
-        <p:txBody>
-          <a:bodyPr>
-            <a:normAutofit/>
-          </a:bodyPr>
-          <a:lstStyle/>
-          <a:p>
-            <a:endParaRPr lang="en-US" dirty="0"/>
-          </a:p>
-        </p:txBody>
-      </p:sp>
-      <p:sp>
-        <p:nvSpPr>
           <p:cNvPr id="3" name="Subtitle 2">
             <a:extLst>
               <a:ext uri="{FF2B5EF4-FFF2-40B4-BE49-F238E27FC236}">
@@ -6673,8 +6780,8 @@
         </p:nvSpPr>
         <p:spPr>
           <a:xfrm>
-            <a:off x="1751012" y="5295900"/>
-            <a:ext cx="8676222" cy="682113"/>
+            <a:off x="1751012" y="5516211"/>
+            <a:ext cx="8676222" cy="722243"/>
           </a:xfrm>
         </p:spPr>
         <p:txBody>
@@ -6689,10 +6796,10 @@
       </p:sp>
       <p:pic>
         <p:nvPicPr>
-          <p:cNvPr id="6" name="Picture 5" descr="A screen shot of a graph&#10;&#10;Description automatically generated">
+          <p:cNvPr id="5" name="Picture 4" descr="A diagram of a function&#10;&#10;Description automatically generated">
             <a:extLst>
               <a:ext uri="{FF2B5EF4-FFF2-40B4-BE49-F238E27FC236}">
-                <a16:creationId xmlns:a16="http://schemas.microsoft.com/office/drawing/2014/main" id="{00E98A0C-E304-629C-3D7B-E3756F2CB373}"/>
+                <a16:creationId xmlns:a16="http://schemas.microsoft.com/office/drawing/2014/main" id="{9F40593E-0DDB-808B-F7BC-41ECA67656DA}"/>
               </a:ext>
             </a:extLst>
           </p:cNvPr>
@@ -6709,12 +6816,12 @@
         </p:blipFill>
         <p:spPr>
           <a:xfrm>
-            <a:off x="3020685" y="824487"/>
-            <a:ext cx="6150629" cy="2983054"/>
+            <a:off x="3634483" y="1542907"/>
+            <a:ext cx="4918410" cy="3602736"/>
           </a:xfrm>
           <a:prstGeom prst="roundRect">
             <a:avLst>
-              <a:gd name="adj" fmla="val 4380"/>
+              <a:gd name="adj" fmla="val 3517"/>
             </a:avLst>
           </a:prstGeom>
           <a:ln w="38100">
@@ -6742,10 +6849,146 @@
           </a:effectLst>
         </p:spPr>
       </p:pic>
+      <p:sp>
+        <p:nvSpPr>
+          <p:cNvPr id="7" name="Title 1">
+            <a:extLst>
+              <a:ext uri="{FF2B5EF4-FFF2-40B4-BE49-F238E27FC236}">
+                <a16:creationId xmlns:a16="http://schemas.microsoft.com/office/drawing/2014/main" id="{C1E62ADA-9D16-0C9C-184E-284F57FBB695}"/>
+              </a:ext>
+            </a:extLst>
+          </p:cNvPr>
+          <p:cNvSpPr txBox="1">
+            <a:spLocks/>
+          </p:cNvSpPr>
+          <p:nvPr/>
+        </p:nvSpPr>
+        <p:spPr>
+          <a:xfrm>
+            <a:off x="1608137" y="505646"/>
+            <a:ext cx="8676222" cy="1066801"/>
+          </a:xfrm>
+          <a:prstGeom prst="rect">
+            <a:avLst/>
+          </a:prstGeom>
+        </p:spPr>
+        <p:txBody>
+          <a:bodyPr vert="horz" lIns="91440" tIns="45720" rIns="91440" bIns="45720" rtlCol="0" anchor="b">
+            <a:normAutofit/>
+          </a:bodyPr>
+          <a:lstStyle>
+            <a:lvl1pPr algn="ctr" defTabSz="457200" rtl="0" eaLnBrk="1" latinLnBrk="0" hangingPunct="1">
+              <a:spcBef>
+                <a:spcPct val="0"/>
+              </a:spcBef>
+              <a:buNone/>
+              <a:defRPr sz="4800" kern="1200" cap="all">
+                <a:ln w="3175" cmpd="sng">
+                  <a:noFill/>
+                </a:ln>
+                <a:gradFill flip="none" rotWithShape="1">
+                  <a:gsLst>
+                    <a:gs pos="0">
+                      <a:schemeClr val="tx1"/>
+                    </a:gs>
+                    <a:gs pos="100000">
+                      <a:schemeClr val="tx1">
+                        <a:lumMod val="65000"/>
+                      </a:schemeClr>
+                    </a:gs>
+                  </a:gsLst>
+                  <a:lin ang="5580000" scaled="0"/>
+                  <a:tileRect/>
+                </a:gradFill>
+                <a:effectLst>
+                  <a:glow rad="38100">
+                    <a:schemeClr val="bg1">
+                      <a:lumMod val="65000"/>
+                      <a:lumOff val="35000"/>
+                      <a:alpha val="50000"/>
+                    </a:schemeClr>
+                  </a:glow>
+                  <a:outerShdw blurRad="28575" dist="31750" dir="13200000" algn="tl" rotWithShape="0">
+                    <a:srgbClr val="000000">
+                      <a:alpha val="25000"/>
+                    </a:srgbClr>
+                  </a:outerShdw>
+                </a:effectLst>
+                <a:latin typeface="+mj-lt"/>
+                <a:ea typeface="+mj-ea"/>
+                <a:cs typeface="+mj-cs"/>
+              </a:defRPr>
+            </a:lvl1pPr>
+            <a:lvl2pPr eaLnBrk="1" hangingPunct="1">
+              <a:defRPr>
+                <a:solidFill>
+                  <a:schemeClr val="tx2"/>
+                </a:solidFill>
+              </a:defRPr>
+            </a:lvl2pPr>
+            <a:lvl3pPr eaLnBrk="1" hangingPunct="1">
+              <a:defRPr>
+                <a:solidFill>
+                  <a:schemeClr val="tx2"/>
+                </a:solidFill>
+              </a:defRPr>
+            </a:lvl3pPr>
+            <a:lvl4pPr eaLnBrk="1" hangingPunct="1">
+              <a:defRPr>
+                <a:solidFill>
+                  <a:schemeClr val="tx2"/>
+                </a:solidFill>
+              </a:defRPr>
+            </a:lvl4pPr>
+            <a:lvl5pPr eaLnBrk="1" hangingPunct="1">
+              <a:defRPr>
+                <a:solidFill>
+                  <a:schemeClr val="tx2"/>
+                </a:solidFill>
+              </a:defRPr>
+            </a:lvl5pPr>
+            <a:lvl6pPr eaLnBrk="1" hangingPunct="1">
+              <a:defRPr>
+                <a:solidFill>
+                  <a:schemeClr val="tx2"/>
+                </a:solidFill>
+              </a:defRPr>
+            </a:lvl6pPr>
+            <a:lvl7pPr eaLnBrk="1" hangingPunct="1">
+              <a:defRPr>
+                <a:solidFill>
+                  <a:schemeClr val="tx2"/>
+                </a:solidFill>
+              </a:defRPr>
+            </a:lvl7pPr>
+            <a:lvl8pPr eaLnBrk="1" hangingPunct="1">
+              <a:defRPr>
+                <a:solidFill>
+                  <a:schemeClr val="tx2"/>
+                </a:solidFill>
+              </a:defRPr>
+            </a:lvl8pPr>
+            <a:lvl9pPr eaLnBrk="1" hangingPunct="1">
+              <a:defRPr>
+                <a:solidFill>
+                  <a:schemeClr val="tx2"/>
+                </a:solidFill>
+              </a:defRPr>
+            </a:lvl9pPr>
+          </a:lstStyle>
+          <a:p>
+            <a:r>
+              <a:rPr lang="en-US"/>
+              <a:t>Supervised learning</a:t>
+            </a:r>
+            <a:endParaRPr lang="en-US" dirty="0"/>
+          </a:p>
+        </p:txBody>
+      </p:sp>
     </p:spTree>
     <p:extLst>
       <p:ext uri="{BB962C8B-B14F-4D97-AF65-F5344CB8AC3E}">
-        <p14:creationId xmlns:p14="http://schemas.microsoft.com/office/powerpoint/2010/main" val="2157657448"/>
+        <p14:creationId xmlns:p14="http://schemas.microsoft.com/office/powerpoint/2010/main" val="592993781"/>
       </p:ext>
     </p:extLst>
   </p:cSld>
@@ -6797,38 +7040,6 @@
       </p:grpSpPr>
       <p:sp>
         <p:nvSpPr>
-          <p:cNvPr id="2" name="Title 1">
-            <a:extLst>
-              <a:ext uri="{FF2B5EF4-FFF2-40B4-BE49-F238E27FC236}">
-                <a16:creationId xmlns:a16="http://schemas.microsoft.com/office/drawing/2014/main" id="{22DEAB8B-05A2-CB87-297A-E7362F52C29A}"/>
-              </a:ext>
-            </a:extLst>
-          </p:cNvPr>
-          <p:cNvSpPr>
-            <a:spLocks noGrp="1"/>
-          </p:cNvSpPr>
-          <p:nvPr>
-            <p:ph type="ctrTitle"/>
-          </p:nvPr>
-        </p:nvSpPr>
-        <p:spPr>
-          <a:xfrm>
-            <a:off x="1751012" y="4363271"/>
-            <a:ext cx="8676222" cy="1066801"/>
-          </a:xfrm>
-        </p:spPr>
-        <p:txBody>
-          <a:bodyPr>
-            <a:normAutofit/>
-          </a:bodyPr>
-          <a:lstStyle/>
-          <a:p>
-            <a:endParaRPr lang="en-US" dirty="0"/>
-          </a:p>
-        </p:txBody>
-      </p:sp>
-      <p:sp>
-        <p:nvSpPr>
           <p:cNvPr id="3" name="Subtitle 2">
             <a:extLst>
               <a:ext uri="{FF2B5EF4-FFF2-40B4-BE49-F238E27FC236}">
@@ -6845,8 +7056,8 @@
         </p:nvSpPr>
         <p:spPr>
           <a:xfrm>
-            <a:off x="1751012" y="5516211"/>
-            <a:ext cx="8676222" cy="722243"/>
+            <a:off x="1751012" y="5295900"/>
+            <a:ext cx="8676222" cy="682113"/>
           </a:xfrm>
         </p:spPr>
         <p:txBody>
@@ -6861,10 +7072,10 @@
       </p:sp>
       <p:pic>
         <p:nvPicPr>
-          <p:cNvPr id="5" name="Picture 4" descr="A diagram of a function&#10;&#10;Description automatically generated">
+          <p:cNvPr id="6" name="Picture 5" descr="A screen shot of a graph&#10;&#10;Description automatically generated">
             <a:extLst>
               <a:ext uri="{FF2B5EF4-FFF2-40B4-BE49-F238E27FC236}">
-                <a16:creationId xmlns:a16="http://schemas.microsoft.com/office/drawing/2014/main" id="{9F40593E-0DDB-808B-F7BC-41ECA67656DA}"/>
+                <a16:creationId xmlns:a16="http://schemas.microsoft.com/office/drawing/2014/main" id="{00E98A0C-E304-629C-3D7B-E3756F2CB373}"/>
               </a:ext>
             </a:extLst>
           </p:cNvPr>
@@ -6881,12 +7092,12 @@
         </p:blipFill>
         <p:spPr>
           <a:xfrm>
-            <a:off x="3634483" y="640080"/>
-            <a:ext cx="4918410" cy="3602736"/>
+            <a:off x="3020685" y="1824623"/>
+            <a:ext cx="6150629" cy="2983054"/>
           </a:xfrm>
           <a:prstGeom prst="roundRect">
             <a:avLst>
-              <a:gd name="adj" fmla="val 3517"/>
+              <a:gd name="adj" fmla="val 4380"/>
             </a:avLst>
           </a:prstGeom>
           <a:ln w="38100">
@@ -6914,10 +7125,149 @@
           </a:effectLst>
         </p:spPr>
       </p:pic>
+      <p:sp>
+        <p:nvSpPr>
+          <p:cNvPr id="8" name="Title 1">
+            <a:extLst>
+              <a:ext uri="{FF2B5EF4-FFF2-40B4-BE49-F238E27FC236}">
+                <a16:creationId xmlns:a16="http://schemas.microsoft.com/office/drawing/2014/main" id="{4EB3D123-5411-A6B0-B150-D22C27E5ED35}"/>
+              </a:ext>
+            </a:extLst>
+          </p:cNvPr>
+          <p:cNvSpPr txBox="1">
+            <a:spLocks/>
+          </p:cNvSpPr>
+          <p:nvPr/>
+        </p:nvSpPr>
+        <p:spPr>
+          <a:xfrm>
+            <a:off x="1608137" y="505646"/>
+            <a:ext cx="8676222" cy="1066801"/>
+          </a:xfrm>
+          <a:prstGeom prst="rect">
+            <a:avLst/>
+          </a:prstGeom>
+        </p:spPr>
+        <p:txBody>
+          <a:bodyPr vert="horz" lIns="91440" tIns="45720" rIns="91440" bIns="45720" rtlCol="0" anchor="b">
+            <a:normAutofit/>
+          </a:bodyPr>
+          <a:lstStyle>
+            <a:lvl1pPr algn="ctr" defTabSz="457200" rtl="0" eaLnBrk="1" latinLnBrk="0" hangingPunct="1">
+              <a:spcBef>
+                <a:spcPct val="0"/>
+              </a:spcBef>
+              <a:buNone/>
+              <a:defRPr sz="4800" kern="1200" cap="all">
+                <a:ln w="3175" cmpd="sng">
+                  <a:noFill/>
+                </a:ln>
+                <a:gradFill flip="none" rotWithShape="1">
+                  <a:gsLst>
+                    <a:gs pos="0">
+                      <a:schemeClr val="tx1"/>
+                    </a:gs>
+                    <a:gs pos="100000">
+                      <a:schemeClr val="tx1">
+                        <a:lumMod val="65000"/>
+                      </a:schemeClr>
+                    </a:gs>
+                  </a:gsLst>
+                  <a:lin ang="5580000" scaled="0"/>
+                  <a:tileRect/>
+                </a:gradFill>
+                <a:effectLst>
+                  <a:glow rad="38100">
+                    <a:schemeClr val="bg1">
+                      <a:lumMod val="65000"/>
+                      <a:lumOff val="35000"/>
+                      <a:alpha val="50000"/>
+                    </a:schemeClr>
+                  </a:glow>
+                  <a:outerShdw blurRad="28575" dist="31750" dir="13200000" algn="tl" rotWithShape="0">
+                    <a:srgbClr val="000000">
+                      <a:alpha val="25000"/>
+                    </a:srgbClr>
+                  </a:outerShdw>
+                </a:effectLst>
+                <a:latin typeface="+mj-lt"/>
+                <a:ea typeface="+mj-ea"/>
+                <a:cs typeface="+mj-cs"/>
+              </a:defRPr>
+            </a:lvl1pPr>
+            <a:lvl2pPr eaLnBrk="1" hangingPunct="1">
+              <a:defRPr>
+                <a:solidFill>
+                  <a:schemeClr val="tx2"/>
+                </a:solidFill>
+              </a:defRPr>
+            </a:lvl2pPr>
+            <a:lvl3pPr eaLnBrk="1" hangingPunct="1">
+              <a:defRPr>
+                <a:solidFill>
+                  <a:schemeClr val="tx2"/>
+                </a:solidFill>
+              </a:defRPr>
+            </a:lvl3pPr>
+            <a:lvl4pPr eaLnBrk="1" hangingPunct="1">
+              <a:defRPr>
+                <a:solidFill>
+                  <a:schemeClr val="tx2"/>
+                </a:solidFill>
+              </a:defRPr>
+            </a:lvl4pPr>
+            <a:lvl5pPr eaLnBrk="1" hangingPunct="1">
+              <a:defRPr>
+                <a:solidFill>
+                  <a:schemeClr val="tx2"/>
+                </a:solidFill>
+              </a:defRPr>
+            </a:lvl5pPr>
+            <a:lvl6pPr eaLnBrk="1" hangingPunct="1">
+              <a:defRPr>
+                <a:solidFill>
+                  <a:schemeClr val="tx2"/>
+                </a:solidFill>
+              </a:defRPr>
+            </a:lvl6pPr>
+            <a:lvl7pPr eaLnBrk="1" hangingPunct="1">
+              <a:defRPr>
+                <a:solidFill>
+                  <a:schemeClr val="tx2"/>
+                </a:solidFill>
+              </a:defRPr>
+            </a:lvl7pPr>
+            <a:lvl8pPr eaLnBrk="1" hangingPunct="1">
+              <a:defRPr>
+                <a:solidFill>
+                  <a:schemeClr val="tx2"/>
+                </a:solidFill>
+              </a:defRPr>
+            </a:lvl8pPr>
+            <a:lvl9pPr eaLnBrk="1" hangingPunct="1">
+              <a:defRPr>
+                <a:solidFill>
+                  <a:schemeClr val="tx2"/>
+                </a:solidFill>
+              </a:defRPr>
+            </a:lvl9pPr>
+          </a:lstStyle>
+          <a:p>
+            <a:r>
+              <a:rPr lang="en-US" dirty="0" err="1"/>
+              <a:t>unSupervised</a:t>
+            </a:r>
+            <a:r>
+              <a:rPr lang="en-US" dirty="0"/>
+              <a:t> learning</a:t>
+            </a:r>
+          </a:p>
+        </p:txBody>
+      </p:sp>
     </p:spTree>
     <p:extLst>
       <p:ext uri="{BB962C8B-B14F-4D97-AF65-F5344CB8AC3E}">
-        <p14:creationId xmlns:p14="http://schemas.microsoft.com/office/powerpoint/2010/main" val="592993781"/>
+        <p14:creationId xmlns:p14="http://schemas.microsoft.com/office/powerpoint/2010/main" val="2157657448"/>
       </p:ext>
     </p:extLst>
   </p:cSld>
@@ -6969,38 +7319,6 @@
       </p:grpSpPr>
       <p:sp>
         <p:nvSpPr>
-          <p:cNvPr id="2" name="Title 1">
-            <a:extLst>
-              <a:ext uri="{FF2B5EF4-FFF2-40B4-BE49-F238E27FC236}">
-                <a16:creationId xmlns:a16="http://schemas.microsoft.com/office/drawing/2014/main" id="{22DEAB8B-05A2-CB87-297A-E7362F52C29A}"/>
-              </a:ext>
-            </a:extLst>
-          </p:cNvPr>
-          <p:cNvSpPr>
-            <a:spLocks noGrp="1"/>
-          </p:cNvSpPr>
-          <p:nvPr>
-            <p:ph type="ctrTitle"/>
-          </p:nvPr>
-        </p:nvSpPr>
-        <p:spPr>
-          <a:xfrm>
-            <a:off x="1751012" y="4363271"/>
-            <a:ext cx="8676222" cy="1066801"/>
-          </a:xfrm>
-        </p:spPr>
-        <p:txBody>
-          <a:bodyPr>
-            <a:normAutofit/>
-          </a:bodyPr>
-          <a:lstStyle/>
-          <a:p>
-            <a:endParaRPr lang="en-US" dirty="0"/>
-          </a:p>
-        </p:txBody>
-      </p:sp>
-      <p:sp>
-        <p:nvSpPr>
           <p:cNvPr id="3" name="Subtitle 2">
             <a:extLst>
               <a:ext uri="{FF2B5EF4-FFF2-40B4-BE49-F238E27FC236}">
@@ -7061,6 +7379,145 @@
           </a:prstGeom>
         </p:spPr>
       </p:pic>
+      <p:sp>
+        <p:nvSpPr>
+          <p:cNvPr id="7" name="Title 1">
+            <a:extLst>
+              <a:ext uri="{FF2B5EF4-FFF2-40B4-BE49-F238E27FC236}">
+                <a16:creationId xmlns:a16="http://schemas.microsoft.com/office/drawing/2014/main" id="{54304B0C-255E-D0A8-5BC5-3D17498E4886}"/>
+              </a:ext>
+            </a:extLst>
+          </p:cNvPr>
+          <p:cNvSpPr txBox="1">
+            <a:spLocks/>
+          </p:cNvSpPr>
+          <p:nvPr/>
+        </p:nvSpPr>
+        <p:spPr>
+          <a:xfrm>
+            <a:off x="1608137" y="505646"/>
+            <a:ext cx="8676222" cy="1066801"/>
+          </a:xfrm>
+          <a:prstGeom prst="rect">
+            <a:avLst/>
+          </a:prstGeom>
+        </p:spPr>
+        <p:txBody>
+          <a:bodyPr vert="horz" lIns="91440" tIns="45720" rIns="91440" bIns="45720" rtlCol="0" anchor="b">
+            <a:normAutofit/>
+          </a:bodyPr>
+          <a:lstStyle>
+            <a:lvl1pPr algn="ctr" defTabSz="457200" rtl="0" eaLnBrk="1" latinLnBrk="0" hangingPunct="1">
+              <a:spcBef>
+                <a:spcPct val="0"/>
+              </a:spcBef>
+              <a:buNone/>
+              <a:defRPr sz="4800" kern="1200" cap="all">
+                <a:ln w="3175" cmpd="sng">
+                  <a:noFill/>
+                </a:ln>
+                <a:gradFill flip="none" rotWithShape="1">
+                  <a:gsLst>
+                    <a:gs pos="0">
+                      <a:schemeClr val="tx1"/>
+                    </a:gs>
+                    <a:gs pos="100000">
+                      <a:schemeClr val="tx1">
+                        <a:lumMod val="65000"/>
+                      </a:schemeClr>
+                    </a:gs>
+                  </a:gsLst>
+                  <a:lin ang="5580000" scaled="0"/>
+                  <a:tileRect/>
+                </a:gradFill>
+                <a:effectLst>
+                  <a:glow rad="38100">
+                    <a:schemeClr val="bg1">
+                      <a:lumMod val="65000"/>
+                      <a:lumOff val="35000"/>
+                      <a:alpha val="50000"/>
+                    </a:schemeClr>
+                  </a:glow>
+                  <a:outerShdw blurRad="28575" dist="31750" dir="13200000" algn="tl" rotWithShape="0">
+                    <a:srgbClr val="000000">
+                      <a:alpha val="25000"/>
+                    </a:srgbClr>
+                  </a:outerShdw>
+                </a:effectLst>
+                <a:latin typeface="+mj-lt"/>
+                <a:ea typeface="+mj-ea"/>
+                <a:cs typeface="+mj-cs"/>
+              </a:defRPr>
+            </a:lvl1pPr>
+            <a:lvl2pPr eaLnBrk="1" hangingPunct="1">
+              <a:defRPr>
+                <a:solidFill>
+                  <a:schemeClr val="tx2"/>
+                </a:solidFill>
+              </a:defRPr>
+            </a:lvl2pPr>
+            <a:lvl3pPr eaLnBrk="1" hangingPunct="1">
+              <a:defRPr>
+                <a:solidFill>
+                  <a:schemeClr val="tx2"/>
+                </a:solidFill>
+              </a:defRPr>
+            </a:lvl3pPr>
+            <a:lvl4pPr eaLnBrk="1" hangingPunct="1">
+              <a:defRPr>
+                <a:solidFill>
+                  <a:schemeClr val="tx2"/>
+                </a:solidFill>
+              </a:defRPr>
+            </a:lvl4pPr>
+            <a:lvl5pPr eaLnBrk="1" hangingPunct="1">
+              <a:defRPr>
+                <a:solidFill>
+                  <a:schemeClr val="tx2"/>
+                </a:solidFill>
+              </a:defRPr>
+            </a:lvl5pPr>
+            <a:lvl6pPr eaLnBrk="1" hangingPunct="1">
+              <a:defRPr>
+                <a:solidFill>
+                  <a:schemeClr val="tx2"/>
+                </a:solidFill>
+              </a:defRPr>
+            </a:lvl6pPr>
+            <a:lvl7pPr eaLnBrk="1" hangingPunct="1">
+              <a:defRPr>
+                <a:solidFill>
+                  <a:schemeClr val="tx2"/>
+                </a:solidFill>
+              </a:defRPr>
+            </a:lvl7pPr>
+            <a:lvl8pPr eaLnBrk="1" hangingPunct="1">
+              <a:defRPr>
+                <a:solidFill>
+                  <a:schemeClr val="tx2"/>
+                </a:solidFill>
+              </a:defRPr>
+            </a:lvl8pPr>
+            <a:lvl9pPr eaLnBrk="1" hangingPunct="1">
+              <a:defRPr>
+                <a:solidFill>
+                  <a:schemeClr val="tx2"/>
+                </a:solidFill>
+              </a:defRPr>
+            </a:lvl9pPr>
+          </a:lstStyle>
+          <a:p>
+            <a:r>
+              <a:rPr lang="en-US" dirty="0" err="1"/>
+              <a:t>unSupervised</a:t>
+            </a:r>
+            <a:r>
+              <a:rPr lang="en-US" dirty="0"/>
+              <a:t> learning</a:t>
+            </a:r>
+          </a:p>
+        </p:txBody>
+      </p:sp>
     </p:spTree>
     <p:extLst>
       <p:ext uri="{BB962C8B-B14F-4D97-AF65-F5344CB8AC3E}">
@@ -7114,70 +7571,6 @@
           <a:chExt cx="0" cy="0"/>
         </a:xfrm>
       </p:grpSpPr>
-      <p:sp>
-        <p:nvSpPr>
-          <p:cNvPr id="2" name="Title 1">
-            <a:extLst>
-              <a:ext uri="{FF2B5EF4-FFF2-40B4-BE49-F238E27FC236}">
-                <a16:creationId xmlns:a16="http://schemas.microsoft.com/office/drawing/2014/main" id="{22DEAB8B-05A2-CB87-297A-E7362F52C29A}"/>
-              </a:ext>
-            </a:extLst>
-          </p:cNvPr>
-          <p:cNvSpPr>
-            <a:spLocks noGrp="1"/>
-          </p:cNvSpPr>
-          <p:nvPr>
-            <p:ph type="ctrTitle"/>
-          </p:nvPr>
-        </p:nvSpPr>
-        <p:spPr>
-          <a:xfrm>
-            <a:off x="1751012" y="4363271"/>
-            <a:ext cx="8676222" cy="1066801"/>
-          </a:xfrm>
-        </p:spPr>
-        <p:txBody>
-          <a:bodyPr>
-            <a:normAutofit/>
-          </a:bodyPr>
-          <a:lstStyle/>
-          <a:p>
-            <a:endParaRPr lang="en-US" dirty="0"/>
-          </a:p>
-        </p:txBody>
-      </p:sp>
-      <p:sp>
-        <p:nvSpPr>
-          <p:cNvPr id="3" name="Subtitle 2">
-            <a:extLst>
-              <a:ext uri="{FF2B5EF4-FFF2-40B4-BE49-F238E27FC236}">
-                <a16:creationId xmlns:a16="http://schemas.microsoft.com/office/drawing/2014/main" id="{5E72B1CE-A9F8-FA55-BC92-F4D1D50170AD}"/>
-              </a:ext>
-            </a:extLst>
-          </p:cNvPr>
-          <p:cNvSpPr>
-            <a:spLocks noGrp="1"/>
-          </p:cNvSpPr>
-          <p:nvPr>
-            <p:ph type="subTitle" idx="1"/>
-          </p:nvPr>
-        </p:nvSpPr>
-        <p:spPr>
-          <a:xfrm>
-            <a:off x="1751012" y="5516211"/>
-            <a:ext cx="8676222" cy="722243"/>
-          </a:xfrm>
-        </p:spPr>
-        <p:txBody>
-          <a:bodyPr>
-            <a:normAutofit/>
-          </a:bodyPr>
-          <a:lstStyle/>
-          <a:p>
-            <a:endParaRPr lang="en-US"/>
-          </a:p>
-        </p:txBody>
-      </p:sp>
       <p:pic>
         <p:nvPicPr>
           <p:cNvPr id="5" name="Picture 4" descr="A screenshot of a graph&#10;&#10;Description automatically generated">
@@ -7200,7 +7593,7 @@
         </p:blipFill>
         <p:spPr>
           <a:xfrm>
-            <a:off x="2328862" y="492125"/>
+            <a:off x="2328862" y="1580145"/>
             <a:ext cx="7772400" cy="5159071"/>
           </a:xfrm>
           <a:prstGeom prst="rect">
@@ -7208,6 +7601,145 @@
           </a:prstGeom>
         </p:spPr>
       </p:pic>
+      <p:sp>
+        <p:nvSpPr>
+          <p:cNvPr id="7" name="Title 1">
+            <a:extLst>
+              <a:ext uri="{FF2B5EF4-FFF2-40B4-BE49-F238E27FC236}">
+                <a16:creationId xmlns:a16="http://schemas.microsoft.com/office/drawing/2014/main" id="{263EA774-3005-53E0-050A-8C78E3015584}"/>
+              </a:ext>
+            </a:extLst>
+          </p:cNvPr>
+          <p:cNvSpPr txBox="1">
+            <a:spLocks/>
+          </p:cNvSpPr>
+          <p:nvPr/>
+        </p:nvSpPr>
+        <p:spPr>
+          <a:xfrm>
+            <a:off x="1608137" y="505646"/>
+            <a:ext cx="8676222" cy="1066801"/>
+          </a:xfrm>
+          <a:prstGeom prst="rect">
+            <a:avLst/>
+          </a:prstGeom>
+        </p:spPr>
+        <p:txBody>
+          <a:bodyPr vert="horz" lIns="91440" tIns="45720" rIns="91440" bIns="45720" rtlCol="0" anchor="b">
+            <a:normAutofit/>
+          </a:bodyPr>
+          <a:lstStyle>
+            <a:lvl1pPr algn="ctr" defTabSz="457200" rtl="0" eaLnBrk="1" latinLnBrk="0" hangingPunct="1">
+              <a:spcBef>
+                <a:spcPct val="0"/>
+              </a:spcBef>
+              <a:buNone/>
+              <a:defRPr sz="4800" kern="1200" cap="all">
+                <a:ln w="3175" cmpd="sng">
+                  <a:noFill/>
+                </a:ln>
+                <a:gradFill flip="none" rotWithShape="1">
+                  <a:gsLst>
+                    <a:gs pos="0">
+                      <a:schemeClr val="tx1"/>
+                    </a:gs>
+                    <a:gs pos="100000">
+                      <a:schemeClr val="tx1">
+                        <a:lumMod val="65000"/>
+                      </a:schemeClr>
+                    </a:gs>
+                  </a:gsLst>
+                  <a:lin ang="5580000" scaled="0"/>
+                  <a:tileRect/>
+                </a:gradFill>
+                <a:effectLst>
+                  <a:glow rad="38100">
+                    <a:schemeClr val="bg1">
+                      <a:lumMod val="65000"/>
+                      <a:lumOff val="35000"/>
+                      <a:alpha val="50000"/>
+                    </a:schemeClr>
+                  </a:glow>
+                  <a:outerShdw blurRad="28575" dist="31750" dir="13200000" algn="tl" rotWithShape="0">
+                    <a:srgbClr val="000000">
+                      <a:alpha val="25000"/>
+                    </a:srgbClr>
+                  </a:outerShdw>
+                </a:effectLst>
+                <a:latin typeface="+mj-lt"/>
+                <a:ea typeface="+mj-ea"/>
+                <a:cs typeface="+mj-cs"/>
+              </a:defRPr>
+            </a:lvl1pPr>
+            <a:lvl2pPr eaLnBrk="1" hangingPunct="1">
+              <a:defRPr>
+                <a:solidFill>
+                  <a:schemeClr val="tx2"/>
+                </a:solidFill>
+              </a:defRPr>
+            </a:lvl2pPr>
+            <a:lvl3pPr eaLnBrk="1" hangingPunct="1">
+              <a:defRPr>
+                <a:solidFill>
+                  <a:schemeClr val="tx2"/>
+                </a:solidFill>
+              </a:defRPr>
+            </a:lvl3pPr>
+            <a:lvl4pPr eaLnBrk="1" hangingPunct="1">
+              <a:defRPr>
+                <a:solidFill>
+                  <a:schemeClr val="tx2"/>
+                </a:solidFill>
+              </a:defRPr>
+            </a:lvl4pPr>
+            <a:lvl5pPr eaLnBrk="1" hangingPunct="1">
+              <a:defRPr>
+                <a:solidFill>
+                  <a:schemeClr val="tx2"/>
+                </a:solidFill>
+              </a:defRPr>
+            </a:lvl5pPr>
+            <a:lvl6pPr eaLnBrk="1" hangingPunct="1">
+              <a:defRPr>
+                <a:solidFill>
+                  <a:schemeClr val="tx2"/>
+                </a:solidFill>
+              </a:defRPr>
+            </a:lvl6pPr>
+            <a:lvl7pPr eaLnBrk="1" hangingPunct="1">
+              <a:defRPr>
+                <a:solidFill>
+                  <a:schemeClr val="tx2"/>
+                </a:solidFill>
+              </a:defRPr>
+            </a:lvl7pPr>
+            <a:lvl8pPr eaLnBrk="1" hangingPunct="1">
+              <a:defRPr>
+                <a:solidFill>
+                  <a:schemeClr val="tx2"/>
+                </a:solidFill>
+              </a:defRPr>
+            </a:lvl8pPr>
+            <a:lvl9pPr eaLnBrk="1" hangingPunct="1">
+              <a:defRPr>
+                <a:solidFill>
+                  <a:schemeClr val="tx2"/>
+                </a:solidFill>
+              </a:defRPr>
+            </a:lvl9pPr>
+          </a:lstStyle>
+          <a:p>
+            <a:r>
+              <a:rPr lang="en-US" dirty="0" err="1"/>
+              <a:t>unSupervised</a:t>
+            </a:r>
+            <a:r>
+              <a:rPr lang="en-US" dirty="0"/>
+              <a:t> learning</a:t>
+            </a:r>
+          </a:p>
+        </p:txBody>
+      </p:sp>
     </p:spTree>
     <p:extLst>
       <p:ext uri="{BB962C8B-B14F-4D97-AF65-F5344CB8AC3E}">
@@ -7355,6 +7887,145 @@
           </a:prstGeom>
         </p:spPr>
       </p:pic>
+      <p:sp>
+        <p:nvSpPr>
+          <p:cNvPr id="7" name="Title 1">
+            <a:extLst>
+              <a:ext uri="{FF2B5EF4-FFF2-40B4-BE49-F238E27FC236}">
+                <a16:creationId xmlns:a16="http://schemas.microsoft.com/office/drawing/2014/main" id="{A0B938A0-CB90-2B55-843A-6319027E1DD0}"/>
+              </a:ext>
+            </a:extLst>
+          </p:cNvPr>
+          <p:cNvSpPr txBox="1">
+            <a:spLocks/>
+          </p:cNvSpPr>
+          <p:nvPr/>
+        </p:nvSpPr>
+        <p:spPr>
+          <a:xfrm>
+            <a:off x="1608137" y="505646"/>
+            <a:ext cx="8676222" cy="1066801"/>
+          </a:xfrm>
+          <a:prstGeom prst="rect">
+            <a:avLst/>
+          </a:prstGeom>
+        </p:spPr>
+        <p:txBody>
+          <a:bodyPr vert="horz" lIns="91440" tIns="45720" rIns="91440" bIns="45720" rtlCol="0" anchor="b">
+            <a:normAutofit/>
+          </a:bodyPr>
+          <a:lstStyle>
+            <a:lvl1pPr algn="ctr" defTabSz="457200" rtl="0" eaLnBrk="1" latinLnBrk="0" hangingPunct="1">
+              <a:spcBef>
+                <a:spcPct val="0"/>
+              </a:spcBef>
+              <a:buNone/>
+              <a:defRPr sz="4800" kern="1200" cap="all">
+                <a:ln w="3175" cmpd="sng">
+                  <a:noFill/>
+                </a:ln>
+                <a:gradFill flip="none" rotWithShape="1">
+                  <a:gsLst>
+                    <a:gs pos="0">
+                      <a:schemeClr val="tx1"/>
+                    </a:gs>
+                    <a:gs pos="100000">
+                      <a:schemeClr val="tx1">
+                        <a:lumMod val="65000"/>
+                      </a:schemeClr>
+                    </a:gs>
+                  </a:gsLst>
+                  <a:lin ang="5580000" scaled="0"/>
+                  <a:tileRect/>
+                </a:gradFill>
+                <a:effectLst>
+                  <a:glow rad="38100">
+                    <a:schemeClr val="bg1">
+                      <a:lumMod val="65000"/>
+                      <a:lumOff val="35000"/>
+                      <a:alpha val="50000"/>
+                    </a:schemeClr>
+                  </a:glow>
+                  <a:outerShdw blurRad="28575" dist="31750" dir="13200000" algn="tl" rotWithShape="0">
+                    <a:srgbClr val="000000">
+                      <a:alpha val="25000"/>
+                    </a:srgbClr>
+                  </a:outerShdw>
+                </a:effectLst>
+                <a:latin typeface="+mj-lt"/>
+                <a:ea typeface="+mj-ea"/>
+                <a:cs typeface="+mj-cs"/>
+              </a:defRPr>
+            </a:lvl1pPr>
+            <a:lvl2pPr eaLnBrk="1" hangingPunct="1">
+              <a:defRPr>
+                <a:solidFill>
+                  <a:schemeClr val="tx2"/>
+                </a:solidFill>
+              </a:defRPr>
+            </a:lvl2pPr>
+            <a:lvl3pPr eaLnBrk="1" hangingPunct="1">
+              <a:defRPr>
+                <a:solidFill>
+                  <a:schemeClr val="tx2"/>
+                </a:solidFill>
+              </a:defRPr>
+            </a:lvl3pPr>
+            <a:lvl4pPr eaLnBrk="1" hangingPunct="1">
+              <a:defRPr>
+                <a:solidFill>
+                  <a:schemeClr val="tx2"/>
+                </a:solidFill>
+              </a:defRPr>
+            </a:lvl4pPr>
+            <a:lvl5pPr eaLnBrk="1" hangingPunct="1">
+              <a:defRPr>
+                <a:solidFill>
+                  <a:schemeClr val="tx2"/>
+                </a:solidFill>
+              </a:defRPr>
+            </a:lvl5pPr>
+            <a:lvl6pPr eaLnBrk="1" hangingPunct="1">
+              <a:defRPr>
+                <a:solidFill>
+                  <a:schemeClr val="tx2"/>
+                </a:solidFill>
+              </a:defRPr>
+            </a:lvl6pPr>
+            <a:lvl7pPr eaLnBrk="1" hangingPunct="1">
+              <a:defRPr>
+                <a:solidFill>
+                  <a:schemeClr val="tx2"/>
+                </a:solidFill>
+              </a:defRPr>
+            </a:lvl7pPr>
+            <a:lvl8pPr eaLnBrk="1" hangingPunct="1">
+              <a:defRPr>
+                <a:solidFill>
+                  <a:schemeClr val="tx2"/>
+                </a:solidFill>
+              </a:defRPr>
+            </a:lvl8pPr>
+            <a:lvl9pPr eaLnBrk="1" hangingPunct="1">
+              <a:defRPr>
+                <a:solidFill>
+                  <a:schemeClr val="tx2"/>
+                </a:solidFill>
+              </a:defRPr>
+            </a:lvl9pPr>
+          </a:lstStyle>
+          <a:p>
+            <a:r>
+              <a:rPr lang="en-US" dirty="0" err="1"/>
+              <a:t>unSupervised</a:t>
+            </a:r>
+            <a:r>
+              <a:rPr lang="en-US" dirty="0"/>
+              <a:t> learning</a:t>
+            </a:r>
+          </a:p>
+        </p:txBody>
+      </p:sp>
     </p:spTree>
     <p:extLst>
       <p:ext uri="{BB962C8B-B14F-4D97-AF65-F5344CB8AC3E}">
@@ -7494,7 +8165,7 @@
         </p:blipFill>
         <p:spPr>
           <a:xfrm>
-            <a:off x="2902744" y="523609"/>
+            <a:off x="2902744" y="1600061"/>
             <a:ext cx="6386512" cy="4906463"/>
           </a:xfrm>
           <a:prstGeom prst="rect">
@@ -7502,6 +8173,141 @@
           </a:prstGeom>
         </p:spPr>
       </p:pic>
+      <p:sp>
+        <p:nvSpPr>
+          <p:cNvPr id="7" name="Title 1">
+            <a:extLst>
+              <a:ext uri="{FF2B5EF4-FFF2-40B4-BE49-F238E27FC236}">
+                <a16:creationId xmlns:a16="http://schemas.microsoft.com/office/drawing/2014/main" id="{6B0B37A5-865B-A295-E323-C935AC466BD9}"/>
+              </a:ext>
+            </a:extLst>
+          </p:cNvPr>
+          <p:cNvSpPr txBox="1">
+            <a:spLocks/>
+          </p:cNvSpPr>
+          <p:nvPr/>
+        </p:nvSpPr>
+        <p:spPr>
+          <a:xfrm>
+            <a:off x="1608137" y="505646"/>
+            <a:ext cx="8676222" cy="1066801"/>
+          </a:xfrm>
+          <a:prstGeom prst="rect">
+            <a:avLst/>
+          </a:prstGeom>
+        </p:spPr>
+        <p:txBody>
+          <a:bodyPr vert="horz" lIns="91440" tIns="45720" rIns="91440" bIns="45720" rtlCol="0" anchor="b">
+            <a:normAutofit/>
+          </a:bodyPr>
+          <a:lstStyle>
+            <a:lvl1pPr algn="ctr" defTabSz="457200" rtl="0" eaLnBrk="1" latinLnBrk="0" hangingPunct="1">
+              <a:spcBef>
+                <a:spcPct val="0"/>
+              </a:spcBef>
+              <a:buNone/>
+              <a:defRPr sz="4800" kern="1200" cap="all">
+                <a:ln w="3175" cmpd="sng">
+                  <a:noFill/>
+                </a:ln>
+                <a:gradFill flip="none" rotWithShape="1">
+                  <a:gsLst>
+                    <a:gs pos="0">
+                      <a:schemeClr val="tx1"/>
+                    </a:gs>
+                    <a:gs pos="100000">
+                      <a:schemeClr val="tx1">
+                        <a:lumMod val="65000"/>
+                      </a:schemeClr>
+                    </a:gs>
+                  </a:gsLst>
+                  <a:lin ang="5580000" scaled="0"/>
+                  <a:tileRect/>
+                </a:gradFill>
+                <a:effectLst>
+                  <a:glow rad="38100">
+                    <a:schemeClr val="bg1">
+                      <a:lumMod val="65000"/>
+                      <a:lumOff val="35000"/>
+                      <a:alpha val="50000"/>
+                    </a:schemeClr>
+                  </a:glow>
+                  <a:outerShdw blurRad="28575" dist="31750" dir="13200000" algn="tl" rotWithShape="0">
+                    <a:srgbClr val="000000">
+                      <a:alpha val="25000"/>
+                    </a:srgbClr>
+                  </a:outerShdw>
+                </a:effectLst>
+                <a:latin typeface="+mj-lt"/>
+                <a:ea typeface="+mj-ea"/>
+                <a:cs typeface="+mj-cs"/>
+              </a:defRPr>
+            </a:lvl1pPr>
+            <a:lvl2pPr eaLnBrk="1" hangingPunct="1">
+              <a:defRPr>
+                <a:solidFill>
+                  <a:schemeClr val="tx2"/>
+                </a:solidFill>
+              </a:defRPr>
+            </a:lvl2pPr>
+            <a:lvl3pPr eaLnBrk="1" hangingPunct="1">
+              <a:defRPr>
+                <a:solidFill>
+                  <a:schemeClr val="tx2"/>
+                </a:solidFill>
+              </a:defRPr>
+            </a:lvl3pPr>
+            <a:lvl4pPr eaLnBrk="1" hangingPunct="1">
+              <a:defRPr>
+                <a:solidFill>
+                  <a:schemeClr val="tx2"/>
+                </a:solidFill>
+              </a:defRPr>
+            </a:lvl4pPr>
+            <a:lvl5pPr eaLnBrk="1" hangingPunct="1">
+              <a:defRPr>
+                <a:solidFill>
+                  <a:schemeClr val="tx2"/>
+                </a:solidFill>
+              </a:defRPr>
+            </a:lvl5pPr>
+            <a:lvl6pPr eaLnBrk="1" hangingPunct="1">
+              <a:defRPr>
+                <a:solidFill>
+                  <a:schemeClr val="tx2"/>
+                </a:solidFill>
+              </a:defRPr>
+            </a:lvl6pPr>
+            <a:lvl7pPr eaLnBrk="1" hangingPunct="1">
+              <a:defRPr>
+                <a:solidFill>
+                  <a:schemeClr val="tx2"/>
+                </a:solidFill>
+              </a:defRPr>
+            </a:lvl7pPr>
+            <a:lvl8pPr eaLnBrk="1" hangingPunct="1">
+              <a:defRPr>
+                <a:solidFill>
+                  <a:schemeClr val="tx2"/>
+                </a:solidFill>
+              </a:defRPr>
+            </a:lvl8pPr>
+            <a:lvl9pPr eaLnBrk="1" hangingPunct="1">
+              <a:defRPr>
+                <a:solidFill>
+                  <a:schemeClr val="tx2"/>
+                </a:solidFill>
+              </a:defRPr>
+            </a:lvl9pPr>
+          </a:lstStyle>
+          <a:p>
+            <a:r>
+              <a:rPr lang="en-US" dirty="0"/>
+              <a:t>Important concept</a:t>
+            </a:r>
+          </a:p>
+        </p:txBody>
+      </p:sp>
     </p:spTree>
     <p:extLst>
       <p:ext uri="{BB962C8B-B14F-4D97-AF65-F5344CB8AC3E}">
@@ -7626,6 +8432,141 @@
             <a:r>
               <a:rPr lang="en-US" dirty="0"/>
               <a:t>, etc.</a:t>
+            </a:r>
+          </a:p>
+        </p:txBody>
+      </p:sp>
+      <p:sp>
+        <p:nvSpPr>
+          <p:cNvPr id="4" name="Title 1">
+            <a:extLst>
+              <a:ext uri="{FF2B5EF4-FFF2-40B4-BE49-F238E27FC236}">
+                <a16:creationId xmlns:a16="http://schemas.microsoft.com/office/drawing/2014/main" id="{A84543C2-9256-6D37-ACED-AB7C8DF3A248}"/>
+              </a:ext>
+            </a:extLst>
+          </p:cNvPr>
+          <p:cNvSpPr txBox="1">
+            <a:spLocks/>
+          </p:cNvSpPr>
+          <p:nvPr/>
+        </p:nvSpPr>
+        <p:spPr>
+          <a:xfrm>
+            <a:off x="1608137" y="505646"/>
+            <a:ext cx="8676222" cy="1066801"/>
+          </a:xfrm>
+          <a:prstGeom prst="rect">
+            <a:avLst/>
+          </a:prstGeom>
+        </p:spPr>
+        <p:txBody>
+          <a:bodyPr vert="horz" lIns="91440" tIns="45720" rIns="91440" bIns="45720" rtlCol="0" anchor="b">
+            <a:normAutofit fontScale="92500"/>
+          </a:bodyPr>
+          <a:lstStyle>
+            <a:lvl1pPr algn="ctr" defTabSz="457200" rtl="0" eaLnBrk="1" latinLnBrk="0" hangingPunct="1">
+              <a:spcBef>
+                <a:spcPct val="0"/>
+              </a:spcBef>
+              <a:buNone/>
+              <a:defRPr sz="4800" kern="1200" cap="all">
+                <a:ln w="3175" cmpd="sng">
+                  <a:noFill/>
+                </a:ln>
+                <a:gradFill flip="none" rotWithShape="1">
+                  <a:gsLst>
+                    <a:gs pos="0">
+                      <a:schemeClr val="tx1"/>
+                    </a:gs>
+                    <a:gs pos="100000">
+                      <a:schemeClr val="tx1">
+                        <a:lumMod val="65000"/>
+                      </a:schemeClr>
+                    </a:gs>
+                  </a:gsLst>
+                  <a:lin ang="5580000" scaled="0"/>
+                  <a:tileRect/>
+                </a:gradFill>
+                <a:effectLst>
+                  <a:glow rad="38100">
+                    <a:schemeClr val="bg1">
+                      <a:lumMod val="65000"/>
+                      <a:lumOff val="35000"/>
+                      <a:alpha val="50000"/>
+                    </a:schemeClr>
+                  </a:glow>
+                  <a:outerShdw blurRad="28575" dist="31750" dir="13200000" algn="tl" rotWithShape="0">
+                    <a:srgbClr val="000000">
+                      <a:alpha val="25000"/>
+                    </a:srgbClr>
+                  </a:outerShdw>
+                </a:effectLst>
+                <a:latin typeface="+mj-lt"/>
+                <a:ea typeface="+mj-ea"/>
+                <a:cs typeface="+mj-cs"/>
+              </a:defRPr>
+            </a:lvl1pPr>
+            <a:lvl2pPr eaLnBrk="1" hangingPunct="1">
+              <a:defRPr>
+                <a:solidFill>
+                  <a:schemeClr val="tx2"/>
+                </a:solidFill>
+              </a:defRPr>
+            </a:lvl2pPr>
+            <a:lvl3pPr eaLnBrk="1" hangingPunct="1">
+              <a:defRPr>
+                <a:solidFill>
+                  <a:schemeClr val="tx2"/>
+                </a:solidFill>
+              </a:defRPr>
+            </a:lvl3pPr>
+            <a:lvl4pPr eaLnBrk="1" hangingPunct="1">
+              <a:defRPr>
+                <a:solidFill>
+                  <a:schemeClr val="tx2"/>
+                </a:solidFill>
+              </a:defRPr>
+            </a:lvl4pPr>
+            <a:lvl5pPr eaLnBrk="1" hangingPunct="1">
+              <a:defRPr>
+                <a:solidFill>
+                  <a:schemeClr val="tx2"/>
+                </a:solidFill>
+              </a:defRPr>
+            </a:lvl5pPr>
+            <a:lvl6pPr eaLnBrk="1" hangingPunct="1">
+              <a:defRPr>
+                <a:solidFill>
+                  <a:schemeClr val="tx2"/>
+                </a:solidFill>
+              </a:defRPr>
+            </a:lvl6pPr>
+            <a:lvl7pPr eaLnBrk="1" hangingPunct="1">
+              <a:defRPr>
+                <a:solidFill>
+                  <a:schemeClr val="tx2"/>
+                </a:solidFill>
+              </a:defRPr>
+            </a:lvl7pPr>
+            <a:lvl8pPr eaLnBrk="1" hangingPunct="1">
+              <a:defRPr>
+                <a:solidFill>
+                  <a:schemeClr val="tx2"/>
+                </a:solidFill>
+              </a:defRPr>
+            </a:lvl8pPr>
+            <a:lvl9pPr eaLnBrk="1" hangingPunct="1">
+              <a:defRPr>
+                <a:solidFill>
+                  <a:schemeClr val="tx2"/>
+                </a:solidFill>
+              </a:defRPr>
+            </a:lvl9pPr>
+          </a:lstStyle>
+          <a:p>
+            <a:r>
+              <a:rPr lang="en-US" dirty="0"/>
+              <a:t>Generalizations of this idea</a:t>
             </a:r>
           </a:p>
         </p:txBody>

--- a/Presentation_intro.pptx
+++ b/Presentation_intro.pptx
@@ -15,7 +15,7 @@
     <p:sldId id="265" r:id="rId9"/>
     <p:sldId id="264" r:id="rId10"/>
     <p:sldId id="268" r:id="rId11"/>
-    <p:sldId id="269" r:id="rId12"/>
+    <p:sldId id="270" r:id="rId12"/>
     <p:sldId id="266" r:id="rId13"/>
     <p:sldId id="263" r:id="rId14"/>
   </p:sldIdLst>
@@ -5803,8 +5803,8 @@
         </p:nvSpPr>
         <p:spPr>
           <a:xfrm>
-            <a:off x="1751012" y="5516211"/>
-            <a:ext cx="8676222" cy="722243"/>
+            <a:off x="1751012" y="2333173"/>
+            <a:ext cx="8676222" cy="2968032"/>
           </a:xfrm>
         </p:spPr>
         <p:txBody>
@@ -5815,8 +5815,11 @@
           <a:p>
             <a:r>
               <a:rPr lang="en-US" dirty="0"/>
-              <a:t>linear</a:t>
-            </a:r>
+              <a:t>Linearity</a:t>
+            </a:r>
+          </a:p>
+          <a:p>
+            <a:endParaRPr lang="en-US" dirty="0"/>
           </a:p>
         </p:txBody>
       </p:sp>
@@ -5952,31 +5955,6 @@
               <a:rPr lang="en-US" dirty="0"/>
               <a:t>assumptions</a:t>
             </a:r>
-          </a:p>
-        </p:txBody>
-      </p:sp>
-      <p:sp>
-        <p:nvSpPr>
-          <p:cNvPr id="6" name="Title 5">
-            <a:extLst>
-              <a:ext uri="{FF2B5EF4-FFF2-40B4-BE49-F238E27FC236}">
-                <a16:creationId xmlns:a16="http://schemas.microsoft.com/office/drawing/2014/main" id="{01E135A5-5675-664B-88DC-FFA664A4EC7F}"/>
-              </a:ext>
-            </a:extLst>
-          </p:cNvPr>
-          <p:cNvSpPr>
-            <a:spLocks noGrp="1"/>
-          </p:cNvSpPr>
-          <p:nvPr>
-            <p:ph type="ctrTitle"/>
-          </p:nvPr>
-        </p:nvSpPr>
-        <p:spPr/>
-        <p:txBody>
-          <a:bodyPr/>
-          <a:lstStyle/>
-          <a:p>
-            <a:endParaRPr lang="en-US" dirty="0"/>
           </a:p>
         </p:txBody>
       </p:sp>
@@ -6051,8 +6029,8 @@
         </p:nvSpPr>
         <p:spPr>
           <a:xfrm>
-            <a:off x="1751012" y="5516211"/>
-            <a:ext cx="8676222" cy="722243"/>
+            <a:off x="1608137" y="2240575"/>
+            <a:ext cx="9341514" cy="3257400"/>
           </a:xfrm>
         </p:spPr>
         <p:txBody>
@@ -6065,9 +6043,12 @@
               <a:rPr lang="en-US" dirty="0" err="1"/>
               <a:t>tSNE</a:t>
             </a:r>
+            <a:endParaRPr lang="en-US" dirty="0"/>
+          </a:p>
+          <a:p>
             <a:r>
               <a:rPr lang="en-US" dirty="0"/>
-              <a:t>, autoencoders, etc.</a:t>
+              <a:t>Autoencoder (non-linear loss function)</a:t>
             </a:r>
           </a:p>
         </p:txBody>
@@ -6077,7 +6058,7 @@
           <p:cNvPr id="4" name="Title 1">
             <a:extLst>
               <a:ext uri="{FF2B5EF4-FFF2-40B4-BE49-F238E27FC236}">
-                <a16:creationId xmlns:a16="http://schemas.microsoft.com/office/drawing/2014/main" id="{8A0542F5-B3F7-20AF-FD6C-29ED50640429}"/>
+                <a16:creationId xmlns:a16="http://schemas.microsoft.com/office/drawing/2014/main" id="{A84543C2-9256-6D37-ACED-AB7C8DF3A248}"/>
               </a:ext>
             </a:extLst>
           </p:cNvPr>
@@ -6097,7 +6078,7 @@
         </p:spPr>
         <p:txBody>
           <a:bodyPr vert="horz" lIns="91440" tIns="45720" rIns="91440" bIns="45720" rtlCol="0" anchor="b">
-            <a:normAutofit/>
+            <a:normAutofit fontScale="92500"/>
           </a:bodyPr>
           <a:lstStyle>
             <a:lvl1pPr algn="ctr" defTabSz="457200" rtl="0" eaLnBrk="1" latinLnBrk="0" hangingPunct="1">
@@ -6202,40 +6183,15 @@
           <a:p>
             <a:r>
               <a:rPr lang="en-US" dirty="0"/>
-              <a:t>extensions</a:t>
-            </a:r>
-          </a:p>
-        </p:txBody>
-      </p:sp>
-      <p:sp>
-        <p:nvSpPr>
-          <p:cNvPr id="6" name="Title 5">
-            <a:extLst>
-              <a:ext uri="{FF2B5EF4-FFF2-40B4-BE49-F238E27FC236}">
-                <a16:creationId xmlns:a16="http://schemas.microsoft.com/office/drawing/2014/main" id="{DB542C04-7F60-8AF3-F3A5-3F6814C54D54}"/>
-              </a:ext>
-            </a:extLst>
-          </p:cNvPr>
-          <p:cNvSpPr>
-            <a:spLocks noGrp="1"/>
-          </p:cNvSpPr>
-          <p:nvPr>
-            <p:ph type="ctrTitle"/>
-          </p:nvPr>
-        </p:nvSpPr>
-        <p:spPr/>
-        <p:txBody>
-          <a:bodyPr/>
-          <a:lstStyle/>
-          <a:p>
-            <a:endParaRPr lang="en-US"/>
+              <a:t>generalizations of this idea</a:t>
+            </a:r>
           </a:p>
         </p:txBody>
       </p:sp>
     </p:spTree>
     <p:extLst>
       <p:ext uri="{BB962C8B-B14F-4D97-AF65-F5344CB8AC3E}">
-        <p14:creationId xmlns:p14="http://schemas.microsoft.com/office/powerpoint/2010/main" val="3794183018"/>
+        <p14:creationId xmlns:p14="http://schemas.microsoft.com/office/powerpoint/2010/main" val="571711903"/>
       </p:ext>
     </p:extLst>
   </p:cSld>
@@ -6499,15 +6455,29 @@
         </p:nvSpPr>
         <p:spPr>
           <a:xfrm>
-            <a:off x="1751012" y="5516211"/>
-            <a:ext cx="8676222" cy="722243"/>
+            <a:off x="1751012" y="2338087"/>
+            <a:ext cx="8676222" cy="3900368"/>
           </a:xfrm>
         </p:spPr>
         <p:txBody>
           <a:bodyPr>
-            <a:normAutofit fontScale="40000" lnSpcReduction="20000"/>
+            <a:normAutofit/>
           </a:bodyPr>
           <a:lstStyle/>
+          <a:p>
+            <a:r>
+              <a:rPr lang="en-US" dirty="0">
+                <a:hlinkClick r:id="rId3">
+                  <a:extLst>
+                    <a:ext uri="{A12FA001-AC4F-418D-AE19-62706E023703}">
+                      <ahyp:hlinkClr xmlns:ahyp="http://schemas.microsoft.com/office/drawing/2018/hyperlinkcolor" val="tx"/>
+                    </a:ext>
+                  </a:extLst>
+                </a:hlinkClick>
+              </a:rPr>
+              <a:t>Material, code, exercises, activities</a:t>
+            </a:r>
+          </a:p>
           <a:p>
             <a:r>
               <a:rPr lang="en-US" dirty="0">
@@ -6519,6 +6489,12 @@
           </a:p>
           <a:p>
             <a:endParaRPr lang="en-US" dirty="0"/>
+          </a:p>
+          <a:p>
+            <a:r>
+              <a:rPr lang="en-US" u="sng" dirty="0"/>
+              <a:t>Derivations and technical details</a:t>
+            </a:r>
           </a:p>
           <a:p>
             <a:r>
@@ -8081,38 +8057,6 @@
       </p:grpSpPr>
       <p:sp>
         <p:nvSpPr>
-          <p:cNvPr id="2" name="Title 1">
-            <a:extLst>
-              <a:ext uri="{FF2B5EF4-FFF2-40B4-BE49-F238E27FC236}">
-                <a16:creationId xmlns:a16="http://schemas.microsoft.com/office/drawing/2014/main" id="{22DEAB8B-05A2-CB87-297A-E7362F52C29A}"/>
-              </a:ext>
-            </a:extLst>
-          </p:cNvPr>
-          <p:cNvSpPr>
-            <a:spLocks noGrp="1"/>
-          </p:cNvSpPr>
-          <p:nvPr>
-            <p:ph type="ctrTitle"/>
-          </p:nvPr>
-        </p:nvSpPr>
-        <p:spPr>
-          <a:xfrm>
-            <a:off x="1751012" y="4363271"/>
-            <a:ext cx="8676222" cy="1066801"/>
-          </a:xfrm>
-        </p:spPr>
-        <p:txBody>
-          <a:bodyPr>
-            <a:normAutofit/>
-          </a:bodyPr>
-          <a:lstStyle/>
-          <a:p>
-            <a:endParaRPr lang="en-US" dirty="0"/>
-          </a:p>
-        </p:txBody>
-      </p:sp>
-      <p:sp>
-        <p:nvSpPr>
           <p:cNvPr id="3" name="Subtitle 2">
             <a:extLst>
               <a:ext uri="{FF2B5EF4-FFF2-40B4-BE49-F238E27FC236}">
@@ -8129,17 +8073,20 @@
         </p:nvSpPr>
         <p:spPr>
           <a:xfrm>
-            <a:off x="1751012" y="5516211"/>
-            <a:ext cx="8676222" cy="722243"/>
+            <a:off x="9289256" y="3692170"/>
+            <a:ext cx="2811092" cy="722243"/>
           </a:xfrm>
         </p:spPr>
         <p:txBody>
           <a:bodyPr>
-            <a:normAutofit/>
+            <a:normAutofit lnSpcReduction="10000"/>
           </a:bodyPr>
           <a:lstStyle/>
           <a:p>
-            <a:endParaRPr lang="en-US"/>
+            <a:r>
+              <a:rPr lang="en-US" dirty="0"/>
+              <a:t>Information bottleneck</a:t>
+            </a:r>
           </a:p>
         </p:txBody>
       </p:sp>
@@ -8363,38 +8310,6 @@
       </p:grpSpPr>
       <p:sp>
         <p:nvSpPr>
-          <p:cNvPr id="2" name="Title 1">
-            <a:extLst>
-              <a:ext uri="{FF2B5EF4-FFF2-40B4-BE49-F238E27FC236}">
-                <a16:creationId xmlns:a16="http://schemas.microsoft.com/office/drawing/2014/main" id="{22DEAB8B-05A2-CB87-297A-E7362F52C29A}"/>
-              </a:ext>
-            </a:extLst>
-          </p:cNvPr>
-          <p:cNvSpPr>
-            <a:spLocks noGrp="1"/>
-          </p:cNvSpPr>
-          <p:nvPr>
-            <p:ph type="ctrTitle"/>
-          </p:nvPr>
-        </p:nvSpPr>
-        <p:spPr>
-          <a:xfrm>
-            <a:off x="1751012" y="4363271"/>
-            <a:ext cx="8676222" cy="1066801"/>
-          </a:xfrm>
-        </p:spPr>
-        <p:txBody>
-          <a:bodyPr>
-            <a:normAutofit/>
-          </a:bodyPr>
-          <a:lstStyle/>
-          <a:p>
-            <a:endParaRPr lang="en-US" dirty="0"/>
-          </a:p>
-        </p:txBody>
-      </p:sp>
-      <p:sp>
-        <p:nvSpPr>
           <p:cNvPr id="3" name="Subtitle 2">
             <a:extLst>
               <a:ext uri="{FF2B5EF4-FFF2-40B4-BE49-F238E27FC236}">
@@ -8411,8 +8326,8 @@
         </p:nvSpPr>
         <p:spPr>
           <a:xfrm>
-            <a:off x="1751012" y="5516211"/>
-            <a:ext cx="8676222" cy="722243"/>
+            <a:off x="3414529" y="2205851"/>
+            <a:ext cx="4524143" cy="1810564"/>
           </a:xfrm>
         </p:spPr>
         <p:txBody>
@@ -8423,15 +8338,24 @@
           <a:p>
             <a:r>
               <a:rPr lang="en-US" dirty="0"/>
-              <a:t>Finding structure in movie ratings, consumer </a:t>
+              <a:t>Finding structure in movie ratings</a:t>
+            </a:r>
+          </a:p>
+          <a:p>
+            <a:r>
+              <a:rPr lang="en-US" dirty="0"/>
+              <a:t>consumer </a:t>
             </a:r>
             <a:r>
               <a:rPr lang="en-US" dirty="0" err="1"/>
               <a:t>behaviour</a:t>
             </a:r>
+            <a:endParaRPr lang="en-US" dirty="0"/>
+          </a:p>
+          <a:p>
             <a:r>
               <a:rPr lang="en-US" dirty="0"/>
-              <a:t>, etc.</a:t>
+              <a:t>Stratifying patients</a:t>
             </a:r>
           </a:p>
         </p:txBody>
@@ -8461,7 +8385,7 @@
         </p:spPr>
         <p:txBody>
           <a:bodyPr vert="horz" lIns="91440" tIns="45720" rIns="91440" bIns="45720" rtlCol="0" anchor="b">
-            <a:normAutofit fontScale="92500"/>
+            <a:normAutofit/>
           </a:bodyPr>
           <a:lstStyle>
             <a:lvl1pPr algn="ctr" defTabSz="457200" rtl="0" eaLnBrk="1" latinLnBrk="0" hangingPunct="1">
@@ -8566,7 +8490,7 @@
           <a:p>
             <a:r>
               <a:rPr lang="en-US" dirty="0"/>
-              <a:t>Generalizations of this idea</a:t>
+              <a:t>applications of this idea</a:t>
             </a:r>
           </a:p>
         </p:txBody>

--- a/Presentation_intro.pptx
+++ b/Presentation_intro.pptx
@@ -5815,8 +5815,25 @@
           <a:p>
             <a:r>
               <a:rPr lang="en-US" dirty="0"/>
-              <a:t>Linearity</a:t>
-            </a:r>
+              <a:t>Linearity (linear relationship between data points and lower dimensional representation)</a:t>
+            </a:r>
+          </a:p>
+          <a:p>
+            <a:r>
+              <a:rPr lang="en-US" dirty="0"/>
+              <a:t>Loss function/reconstruction error (squared loss)</a:t>
+            </a:r>
+          </a:p>
+          <a:p>
+            <a:r>
+              <a:rPr lang="en-US" dirty="0"/>
+              <a:t>Uses the dot product (one type of </a:t>
+            </a:r>
+            <a:r>
+              <a:rPr lang="en-US"/>
+              <a:t>inner product)</a:t>
+            </a:r>
+            <a:endParaRPr lang="en-US" dirty="0"/>
           </a:p>
           <a:p>
             <a:endParaRPr lang="en-US" dirty="0"/>
@@ -6792,7 +6809,7 @@
         </p:blipFill>
         <p:spPr>
           <a:xfrm>
-            <a:off x="3634483" y="1542907"/>
+            <a:off x="3634483" y="1577632"/>
             <a:ext cx="4918410" cy="3602736"/>
           </a:xfrm>
           <a:prstGeom prst="roundRect">

--- a/Presentation_intro.pptx
+++ b/Presentation_intro.pptx
@@ -5827,13 +5827,8 @@
           <a:p>
             <a:r>
               <a:rPr lang="en-US" dirty="0"/>
-              <a:t>Uses the dot product (one type of </a:t>
-            </a:r>
-            <a:r>
-              <a:rPr lang="en-US"/>
-              <a:t>inner product)</a:t>
-            </a:r>
-            <a:endParaRPr lang="en-US" dirty="0"/>
+              <a:t>Uses the dot product (one type of inner product)</a:t>
+            </a:r>
           </a:p>
           <a:p>
             <a:endParaRPr lang="en-US" dirty="0"/>
@@ -8360,8 +8355,8 @@
           </a:p>
           <a:p>
             <a:r>
-              <a:rPr lang="en-US" dirty="0"/>
-              <a:t>consumer </a:t>
+              <a:rPr lang="en-US"/>
+              <a:t>Patterns in consumer </a:t>
             </a:r>
             <a:r>
               <a:rPr lang="en-US" dirty="0" err="1"/>

--- a/Presentation_intro.pptx
+++ b/Presentation_intro.pptx
@@ -4,6 +4,9 @@
   <p:sldMasterIdLst>
     <p:sldMasterId id="2147483648" r:id="rId1"/>
   </p:sldMasterIdLst>
+  <p:notesMasterIdLst>
+    <p:notesMasterId r:id="rId15"/>
+  </p:notesMasterIdLst>
   <p:sldIdLst>
     <p:sldId id="256" r:id="rId2"/>
     <p:sldId id="257" r:id="rId3"/>
@@ -117,6 +120,502 @@
     </a:lvl9pPr>
   </p:defaultTextStyle>
 </p:presentation>
+</file>
+
+<file path=ppt/notesMasters/notesMaster1.xml><?xml version="1.0" encoding="utf-8"?>
+<p:notesMaster xmlns:a="http://schemas.openxmlformats.org/drawingml/2006/main" xmlns:r="http://schemas.openxmlformats.org/officeDocument/2006/relationships" xmlns:p="http://schemas.openxmlformats.org/presentationml/2006/main">
+  <p:cSld>
+    <p:bg>
+      <p:bgRef idx="1001">
+        <a:schemeClr val="bg1"/>
+      </p:bgRef>
+    </p:bg>
+    <p:spTree>
+      <p:nvGrpSpPr>
+        <p:cNvPr id="1" name=""/>
+        <p:cNvGrpSpPr/>
+        <p:nvPr/>
+      </p:nvGrpSpPr>
+      <p:grpSpPr>
+        <a:xfrm>
+          <a:off x="0" y="0"/>
+          <a:ext cx="0" cy="0"/>
+          <a:chOff x="0" y="0"/>
+          <a:chExt cx="0" cy="0"/>
+        </a:xfrm>
+      </p:grpSpPr>
+      <p:sp>
+        <p:nvSpPr>
+          <p:cNvPr id="2" name="Header Placeholder 1"/>
+          <p:cNvSpPr>
+            <a:spLocks noGrp="1"/>
+          </p:cNvSpPr>
+          <p:nvPr>
+            <p:ph type="hdr" sz="quarter"/>
+          </p:nvPr>
+        </p:nvSpPr>
+        <p:spPr>
+          <a:xfrm>
+            <a:off x="0" y="0"/>
+            <a:ext cx="2971800" cy="458788"/>
+          </a:xfrm>
+          <a:prstGeom prst="rect">
+            <a:avLst/>
+          </a:prstGeom>
+        </p:spPr>
+        <p:txBody>
+          <a:bodyPr vert="horz" lIns="91440" tIns="45720" rIns="91440" bIns="45720" rtlCol="0"/>
+          <a:lstStyle>
+            <a:lvl1pPr algn="l">
+              <a:defRPr sz="1200"/>
+            </a:lvl1pPr>
+          </a:lstStyle>
+          <a:p>
+            <a:endParaRPr lang="en-US"/>
+          </a:p>
+        </p:txBody>
+      </p:sp>
+      <p:sp>
+        <p:nvSpPr>
+          <p:cNvPr id="3" name="Date Placeholder 2"/>
+          <p:cNvSpPr>
+            <a:spLocks noGrp="1"/>
+          </p:cNvSpPr>
+          <p:nvPr>
+            <p:ph type="dt" idx="1"/>
+          </p:nvPr>
+        </p:nvSpPr>
+        <p:spPr>
+          <a:xfrm>
+            <a:off x="3884613" y="0"/>
+            <a:ext cx="2971800" cy="458788"/>
+          </a:xfrm>
+          <a:prstGeom prst="rect">
+            <a:avLst/>
+          </a:prstGeom>
+        </p:spPr>
+        <p:txBody>
+          <a:bodyPr vert="horz" lIns="91440" tIns="45720" rIns="91440" bIns="45720" rtlCol="0"/>
+          <a:lstStyle>
+            <a:lvl1pPr algn="r">
+              <a:defRPr sz="1200"/>
+            </a:lvl1pPr>
+          </a:lstStyle>
+          <a:p>
+            <a:fld id="{9EEF1CFE-F2DE-934A-9CA3-67B4FE197C73}" type="datetimeFigureOut">
+              <a:rPr lang="en-US" smtClean="0"/>
+              <a:t>9/21/23</a:t>
+            </a:fld>
+            <a:endParaRPr lang="en-US"/>
+          </a:p>
+        </p:txBody>
+      </p:sp>
+      <p:sp>
+        <p:nvSpPr>
+          <p:cNvPr id="4" name="Slide Image Placeholder 3"/>
+          <p:cNvSpPr>
+            <a:spLocks noGrp="1" noRot="1" noChangeAspect="1"/>
+          </p:cNvSpPr>
+          <p:nvPr>
+            <p:ph type="sldImg" idx="2"/>
+          </p:nvPr>
+        </p:nvSpPr>
+        <p:spPr>
+          <a:xfrm>
+            <a:off x="685800" y="1143000"/>
+            <a:ext cx="5486400" cy="3086100"/>
+          </a:xfrm>
+          <a:prstGeom prst="rect">
+            <a:avLst/>
+          </a:prstGeom>
+          <a:noFill/>
+          <a:ln w="12700">
+            <a:solidFill>
+              <a:prstClr val="black"/>
+            </a:solidFill>
+          </a:ln>
+        </p:spPr>
+        <p:txBody>
+          <a:bodyPr vert="horz" lIns="91440" tIns="45720" rIns="91440" bIns="45720" rtlCol="0" anchor="ctr"/>
+          <a:lstStyle/>
+          <a:p>
+            <a:endParaRPr lang="en-US"/>
+          </a:p>
+        </p:txBody>
+      </p:sp>
+      <p:sp>
+        <p:nvSpPr>
+          <p:cNvPr id="5" name="Notes Placeholder 4"/>
+          <p:cNvSpPr>
+            <a:spLocks noGrp="1"/>
+          </p:cNvSpPr>
+          <p:nvPr>
+            <p:ph type="body" sz="quarter" idx="3"/>
+          </p:nvPr>
+        </p:nvSpPr>
+        <p:spPr>
+          <a:xfrm>
+            <a:off x="685800" y="4400550"/>
+            <a:ext cx="5486400" cy="3600450"/>
+          </a:xfrm>
+          <a:prstGeom prst="rect">
+            <a:avLst/>
+          </a:prstGeom>
+        </p:spPr>
+        <p:txBody>
+          <a:bodyPr vert="horz" lIns="91440" tIns="45720" rIns="91440" bIns="45720" rtlCol="0"/>
+          <a:lstStyle/>
+          <a:p>
+            <a:pPr lvl="0"/>
+            <a:r>
+              <a:rPr lang="en-GB"/>
+              <a:t>Click to edit Master text styles</a:t>
+            </a:r>
+          </a:p>
+          <a:p>
+            <a:pPr lvl="1"/>
+            <a:r>
+              <a:rPr lang="en-GB"/>
+              <a:t>Second level</a:t>
+            </a:r>
+          </a:p>
+          <a:p>
+            <a:pPr lvl="2"/>
+            <a:r>
+              <a:rPr lang="en-GB"/>
+              <a:t>Third level</a:t>
+            </a:r>
+          </a:p>
+          <a:p>
+            <a:pPr lvl="3"/>
+            <a:r>
+              <a:rPr lang="en-GB"/>
+              <a:t>Fourth level</a:t>
+            </a:r>
+          </a:p>
+          <a:p>
+            <a:pPr lvl="4"/>
+            <a:r>
+              <a:rPr lang="en-GB"/>
+              <a:t>Fifth level</a:t>
+            </a:r>
+            <a:endParaRPr lang="en-US"/>
+          </a:p>
+        </p:txBody>
+      </p:sp>
+      <p:sp>
+        <p:nvSpPr>
+          <p:cNvPr id="6" name="Footer Placeholder 5"/>
+          <p:cNvSpPr>
+            <a:spLocks noGrp="1"/>
+          </p:cNvSpPr>
+          <p:nvPr>
+            <p:ph type="ftr" sz="quarter" idx="4"/>
+          </p:nvPr>
+        </p:nvSpPr>
+        <p:spPr>
+          <a:xfrm>
+            <a:off x="0" y="8685213"/>
+            <a:ext cx="2971800" cy="458787"/>
+          </a:xfrm>
+          <a:prstGeom prst="rect">
+            <a:avLst/>
+          </a:prstGeom>
+        </p:spPr>
+        <p:txBody>
+          <a:bodyPr vert="horz" lIns="91440" tIns="45720" rIns="91440" bIns="45720" rtlCol="0" anchor="b"/>
+          <a:lstStyle>
+            <a:lvl1pPr algn="l">
+              <a:defRPr sz="1200"/>
+            </a:lvl1pPr>
+          </a:lstStyle>
+          <a:p>
+            <a:endParaRPr lang="en-US"/>
+          </a:p>
+        </p:txBody>
+      </p:sp>
+      <p:sp>
+        <p:nvSpPr>
+          <p:cNvPr id="7" name="Slide Number Placeholder 6"/>
+          <p:cNvSpPr>
+            <a:spLocks noGrp="1"/>
+          </p:cNvSpPr>
+          <p:nvPr>
+            <p:ph type="sldNum" sz="quarter" idx="5"/>
+          </p:nvPr>
+        </p:nvSpPr>
+        <p:spPr>
+          <a:xfrm>
+            <a:off x="3884613" y="8685213"/>
+            <a:ext cx="2971800" cy="458787"/>
+          </a:xfrm>
+          <a:prstGeom prst="rect">
+            <a:avLst/>
+          </a:prstGeom>
+        </p:spPr>
+        <p:txBody>
+          <a:bodyPr vert="horz" lIns="91440" tIns="45720" rIns="91440" bIns="45720" rtlCol="0" anchor="b"/>
+          <a:lstStyle>
+            <a:lvl1pPr algn="r">
+              <a:defRPr sz="1200"/>
+            </a:lvl1pPr>
+          </a:lstStyle>
+          <a:p>
+            <a:fld id="{6F689CEA-A982-2048-9524-42C1083BD2AE}" type="slidenum">
+              <a:rPr lang="en-US" smtClean="0"/>
+              <a:t>‹#›</a:t>
+            </a:fld>
+            <a:endParaRPr lang="en-US"/>
+          </a:p>
+        </p:txBody>
+      </p:sp>
+    </p:spTree>
+    <p:extLst>
+      <p:ext uri="{BB962C8B-B14F-4D97-AF65-F5344CB8AC3E}">
+        <p14:creationId xmlns:p14="http://schemas.microsoft.com/office/powerpoint/2010/main" val="1771863032"/>
+      </p:ext>
+    </p:extLst>
+  </p:cSld>
+  <p:clrMap bg1="lt1" tx1="dk1" bg2="lt2" tx2="dk2" accent1="accent1" accent2="accent2" accent3="accent3" accent4="accent4" accent5="accent5" accent6="accent6" hlink="hlink" folHlink="folHlink"/>
+  <p:notesStyle>
+    <a:lvl1pPr marL="0" algn="l" defTabSz="914400" rtl="0" eaLnBrk="1" latinLnBrk="0" hangingPunct="1">
+      <a:defRPr sz="1200" kern="1200">
+        <a:solidFill>
+          <a:schemeClr val="tx1"/>
+        </a:solidFill>
+        <a:latin typeface="+mn-lt"/>
+        <a:ea typeface="+mn-ea"/>
+        <a:cs typeface="+mn-cs"/>
+      </a:defRPr>
+    </a:lvl1pPr>
+    <a:lvl2pPr marL="457200" algn="l" defTabSz="914400" rtl="0" eaLnBrk="1" latinLnBrk="0" hangingPunct="1">
+      <a:defRPr sz="1200" kern="1200">
+        <a:solidFill>
+          <a:schemeClr val="tx1"/>
+        </a:solidFill>
+        <a:latin typeface="+mn-lt"/>
+        <a:ea typeface="+mn-ea"/>
+        <a:cs typeface="+mn-cs"/>
+      </a:defRPr>
+    </a:lvl2pPr>
+    <a:lvl3pPr marL="914400" algn="l" defTabSz="914400" rtl="0" eaLnBrk="1" latinLnBrk="0" hangingPunct="1">
+      <a:defRPr sz="1200" kern="1200">
+        <a:solidFill>
+          <a:schemeClr val="tx1"/>
+        </a:solidFill>
+        <a:latin typeface="+mn-lt"/>
+        <a:ea typeface="+mn-ea"/>
+        <a:cs typeface="+mn-cs"/>
+      </a:defRPr>
+    </a:lvl3pPr>
+    <a:lvl4pPr marL="1371600" algn="l" defTabSz="914400" rtl="0" eaLnBrk="1" latinLnBrk="0" hangingPunct="1">
+      <a:defRPr sz="1200" kern="1200">
+        <a:solidFill>
+          <a:schemeClr val="tx1"/>
+        </a:solidFill>
+        <a:latin typeface="+mn-lt"/>
+        <a:ea typeface="+mn-ea"/>
+        <a:cs typeface="+mn-cs"/>
+      </a:defRPr>
+    </a:lvl4pPr>
+    <a:lvl5pPr marL="1828800" algn="l" defTabSz="914400" rtl="0" eaLnBrk="1" latinLnBrk="0" hangingPunct="1">
+      <a:defRPr sz="1200" kern="1200">
+        <a:solidFill>
+          <a:schemeClr val="tx1"/>
+        </a:solidFill>
+        <a:latin typeface="+mn-lt"/>
+        <a:ea typeface="+mn-ea"/>
+        <a:cs typeface="+mn-cs"/>
+      </a:defRPr>
+    </a:lvl5pPr>
+    <a:lvl6pPr marL="2286000" algn="l" defTabSz="914400" rtl="0" eaLnBrk="1" latinLnBrk="0" hangingPunct="1">
+      <a:defRPr sz="1200" kern="1200">
+        <a:solidFill>
+          <a:schemeClr val="tx1"/>
+        </a:solidFill>
+        <a:latin typeface="+mn-lt"/>
+        <a:ea typeface="+mn-ea"/>
+        <a:cs typeface="+mn-cs"/>
+      </a:defRPr>
+    </a:lvl6pPr>
+    <a:lvl7pPr marL="2743200" algn="l" defTabSz="914400" rtl="0" eaLnBrk="1" latinLnBrk="0" hangingPunct="1">
+      <a:defRPr sz="1200" kern="1200">
+        <a:solidFill>
+          <a:schemeClr val="tx1"/>
+        </a:solidFill>
+        <a:latin typeface="+mn-lt"/>
+        <a:ea typeface="+mn-ea"/>
+        <a:cs typeface="+mn-cs"/>
+      </a:defRPr>
+    </a:lvl7pPr>
+    <a:lvl8pPr marL="3200400" algn="l" defTabSz="914400" rtl="0" eaLnBrk="1" latinLnBrk="0" hangingPunct="1">
+      <a:defRPr sz="1200" kern="1200">
+        <a:solidFill>
+          <a:schemeClr val="tx1"/>
+        </a:solidFill>
+        <a:latin typeface="+mn-lt"/>
+        <a:ea typeface="+mn-ea"/>
+        <a:cs typeface="+mn-cs"/>
+      </a:defRPr>
+    </a:lvl8pPr>
+    <a:lvl9pPr marL="3657600" algn="l" defTabSz="914400" rtl="0" eaLnBrk="1" latinLnBrk="0" hangingPunct="1">
+      <a:defRPr sz="1200" kern="1200">
+        <a:solidFill>
+          <a:schemeClr val="tx1"/>
+        </a:solidFill>
+        <a:latin typeface="+mn-lt"/>
+        <a:ea typeface="+mn-ea"/>
+        <a:cs typeface="+mn-cs"/>
+      </a:defRPr>
+    </a:lvl9pPr>
+  </p:notesStyle>
+</p:notesMaster>
+</file>
+
+<file path=ppt/notesSlides/notesSlide1.xml><?xml version="1.0" encoding="utf-8"?>
+<p:notes xmlns:a="http://schemas.openxmlformats.org/drawingml/2006/main" xmlns:r="http://schemas.openxmlformats.org/officeDocument/2006/relationships" xmlns:p="http://schemas.openxmlformats.org/presentationml/2006/main">
+  <p:cSld>
+    <p:spTree>
+      <p:nvGrpSpPr>
+        <p:cNvPr id="1" name=""/>
+        <p:cNvGrpSpPr/>
+        <p:nvPr/>
+      </p:nvGrpSpPr>
+      <p:grpSpPr>
+        <a:xfrm>
+          <a:off x="0" y="0"/>
+          <a:ext cx="0" cy="0"/>
+          <a:chOff x="0" y="0"/>
+          <a:chExt cx="0" cy="0"/>
+        </a:xfrm>
+      </p:grpSpPr>
+      <p:sp>
+        <p:nvSpPr>
+          <p:cNvPr id="2" name="Slide Image Placeholder 1"/>
+          <p:cNvSpPr>
+            <a:spLocks noGrp="1" noRot="1" noChangeAspect="1"/>
+          </p:cNvSpPr>
+          <p:nvPr>
+            <p:ph type="sldImg"/>
+          </p:nvPr>
+        </p:nvSpPr>
+        <p:spPr/>
+      </p:sp>
+      <p:sp>
+        <p:nvSpPr>
+          <p:cNvPr id="3" name="Notes Placeholder 2"/>
+          <p:cNvSpPr>
+            <a:spLocks noGrp="1"/>
+          </p:cNvSpPr>
+          <p:nvPr>
+            <p:ph type="body" idx="1"/>
+          </p:nvPr>
+        </p:nvSpPr>
+        <p:spPr/>
+        <p:txBody>
+          <a:bodyPr/>
+          <a:lstStyle/>
+          <a:p>
+            <a:r>
+              <a:rPr lang="en-US" dirty="0"/>
+              <a:t>Segue into SVD, movie recommendation, low </a:t>
+            </a:r>
+            <a:r>
+              <a:rPr lang="en-US"/>
+              <a:t>rank approximation</a:t>
+            </a:r>
+            <a:endParaRPr lang="en-US" dirty="0"/>
+          </a:p>
+          <a:p>
+            <a:r>
+              <a:rPr lang="en-US" dirty="0"/>
+              <a:t>https://</a:t>
+            </a:r>
+            <a:r>
+              <a:rPr lang="en-US" dirty="0" err="1"/>
+              <a:t>www.google.com</a:t>
+            </a:r>
+            <a:r>
+              <a:rPr lang="en-US" dirty="0"/>
+              <a:t>/</a:t>
+            </a:r>
+            <a:r>
+              <a:rPr lang="en-US" dirty="0" err="1"/>
+              <a:t>search?sca_esv</a:t>
+            </a:r>
+            <a:r>
+              <a:rPr lang="en-US" dirty="0"/>
+              <a:t>=567212709&amp;sxsrf=AM9HkKmE-kwKrMhveThIVW6Y-juk-QAoNg:1695290052959&amp;q=</a:t>
+            </a:r>
+            <a:r>
+              <a:rPr lang="en-US" dirty="0" err="1"/>
+              <a:t>movie+recommendations+svd&amp;tbm</a:t>
+            </a:r>
+            <a:r>
+              <a:rPr lang="en-US" dirty="0"/>
+              <a:t>=</a:t>
+            </a:r>
+            <a:r>
+              <a:rPr lang="en-US" dirty="0" err="1"/>
+              <a:t>isch&amp;source</a:t>
+            </a:r>
+            <a:r>
+              <a:rPr lang="en-US" dirty="0"/>
+              <a:t>=</a:t>
+            </a:r>
+            <a:r>
+              <a:rPr lang="en-US" dirty="0" err="1"/>
+              <a:t>lnms&amp;sa</a:t>
+            </a:r>
+            <a:r>
+              <a:rPr lang="en-US" dirty="0"/>
+              <a:t>=</a:t>
+            </a:r>
+            <a:r>
+              <a:rPr lang="en-US" dirty="0" err="1"/>
+              <a:t>X&amp;ved</a:t>
+            </a:r>
+            <a:r>
+              <a:rPr lang="en-US" dirty="0"/>
+              <a:t>=2ahUKEwjMhpfLt7uBAxU7UUEAHQVuDY4Q0pQJegQIDRAB&amp;biw=1292&amp;bih=670&amp;dpr=2.2#imgrc=U1BqzLZvwC9O3M</a:t>
+            </a:r>
+          </a:p>
+        </p:txBody>
+      </p:sp>
+      <p:sp>
+        <p:nvSpPr>
+          <p:cNvPr id="4" name="Slide Number Placeholder 3"/>
+          <p:cNvSpPr>
+            <a:spLocks noGrp="1"/>
+          </p:cNvSpPr>
+          <p:nvPr>
+            <p:ph type="sldNum" sz="quarter" idx="5"/>
+          </p:nvPr>
+        </p:nvSpPr>
+        <p:spPr/>
+        <p:txBody>
+          <a:bodyPr/>
+          <a:lstStyle/>
+          <a:p>
+            <a:fld id="{6F689CEA-A982-2048-9524-42C1083BD2AE}" type="slidenum">
+              <a:rPr lang="en-US" smtClean="0"/>
+              <a:t>9</a:t>
+            </a:fld>
+            <a:endParaRPr lang="en-US"/>
+          </a:p>
+        </p:txBody>
+      </p:sp>
+    </p:spTree>
+    <p:extLst>
+      <p:ext uri="{BB962C8B-B14F-4D97-AF65-F5344CB8AC3E}">
+        <p14:creationId xmlns:p14="http://schemas.microsoft.com/office/powerpoint/2010/main" val="3435291374"/>
+      </p:ext>
+    </p:extLst>
+  </p:cSld>
+  <p:clrMapOvr>
+    <a:masterClrMapping/>
+  </p:clrMapOvr>
+</p:notes>
 </file>
 
 <file path=ppt/slideLayouts/slideLayout1.xml><?xml version="1.0" encoding="utf-8"?>
@@ -8286,7 +8785,7 @@
     <p:bg>
       <p:bgPr>
         <a:blipFill rotWithShape="1">
-          <a:blip r:embed="rId2">
+          <a:blip r:embed="rId3">
             <a:duotone>
               <a:schemeClr val="bg2">
                 <a:shade val="28000"/>
@@ -8355,7 +8854,7 @@
           </a:p>
           <a:p>
             <a:r>
-              <a:rPr lang="en-US"/>
+              <a:rPr lang="en-US" dirty="0"/>
               <a:t>Patterns in consumer </a:t>
             </a:r>
             <a:r>
@@ -8774,4 +9273,299 @@
     </a:ext>
   </a:extLst>
 </a:theme>
+</file>
+
+<file path=ppt/theme/theme2.xml><?xml version="1.0" encoding="utf-8"?>
+<a:theme xmlns:a="http://schemas.openxmlformats.org/drawingml/2006/main" name="Office Theme">
+  <a:themeElements>
+    <a:clrScheme name="Office">
+      <a:dk1>
+        <a:sysClr val="windowText" lastClr="000000"/>
+      </a:dk1>
+      <a:lt1>
+        <a:sysClr val="window" lastClr="FFFFFF"/>
+      </a:lt1>
+      <a:dk2>
+        <a:srgbClr val="44546A"/>
+      </a:dk2>
+      <a:lt2>
+        <a:srgbClr val="E7E6E6"/>
+      </a:lt2>
+      <a:accent1>
+        <a:srgbClr val="4472C4"/>
+      </a:accent1>
+      <a:accent2>
+        <a:srgbClr val="ED7D31"/>
+      </a:accent2>
+      <a:accent3>
+        <a:srgbClr val="A5A5A5"/>
+      </a:accent3>
+      <a:accent4>
+        <a:srgbClr val="FFC000"/>
+      </a:accent4>
+      <a:accent5>
+        <a:srgbClr val="5B9BD5"/>
+      </a:accent5>
+      <a:accent6>
+        <a:srgbClr val="70AD47"/>
+      </a:accent6>
+      <a:hlink>
+        <a:srgbClr val="0563C1"/>
+      </a:hlink>
+      <a:folHlink>
+        <a:srgbClr val="954F72"/>
+      </a:folHlink>
+    </a:clrScheme>
+    <a:fontScheme name="Office">
+      <a:majorFont>
+        <a:latin typeface="Calibri Light" panose="020F0302020204030204"/>
+        <a:ea typeface=""/>
+        <a:cs typeface=""/>
+        <a:font script="Jpan" typeface="游ゴシック Light"/>
+        <a:font script="Hang" typeface="맑은 고딕"/>
+        <a:font script="Hans" typeface="等线 Light"/>
+        <a:font script="Hant" typeface="新細明體"/>
+        <a:font script="Arab" typeface="Times New Roman"/>
+        <a:font script="Hebr" typeface="Times New Roman"/>
+        <a:font script="Thai" typeface="Angsana New"/>
+        <a:font script="Ethi" typeface="Nyala"/>
+        <a:font script="Beng" typeface="Vrinda"/>
+        <a:font script="Gujr" typeface="Shruti"/>
+        <a:font script="Khmr" typeface="MoolBoran"/>
+        <a:font script="Knda" typeface="Tunga"/>
+        <a:font script="Guru" typeface="Raavi"/>
+        <a:font script="Cans" typeface="Euphemia"/>
+        <a:font script="Cher" typeface="Plantagenet Cherokee"/>
+        <a:font script="Yiii" typeface="Microsoft Yi Baiti"/>
+        <a:font script="Tibt" typeface="Microsoft Himalaya"/>
+        <a:font script="Thaa" typeface="MV Boli"/>
+        <a:font script="Deva" typeface="Mangal"/>
+        <a:font script="Telu" typeface="Gautami"/>
+        <a:font script="Taml" typeface="Latha"/>
+        <a:font script="Syrc" typeface="Estrangelo Edessa"/>
+        <a:font script="Orya" typeface="Kalinga"/>
+        <a:font script="Mlym" typeface="Kartika"/>
+        <a:font script="Laoo" typeface="DokChampa"/>
+        <a:font script="Sinh" typeface="Iskoola Pota"/>
+        <a:font script="Mong" typeface="Mongolian Baiti"/>
+        <a:font script="Viet" typeface="Times New Roman"/>
+        <a:font script="Uigh" typeface="Microsoft Uighur"/>
+        <a:font script="Geor" typeface="Sylfaen"/>
+        <a:font script="Armn" typeface="Arial"/>
+        <a:font script="Bugi" typeface="Leelawadee UI"/>
+        <a:font script="Bopo" typeface="Microsoft JhengHei"/>
+        <a:font script="Java" typeface="Javanese Text"/>
+        <a:font script="Lisu" typeface="Segoe UI"/>
+        <a:font script="Mymr" typeface="Myanmar Text"/>
+        <a:font script="Nkoo" typeface="Ebrima"/>
+        <a:font script="Olck" typeface="Nirmala UI"/>
+        <a:font script="Osma" typeface="Ebrima"/>
+        <a:font script="Phag" typeface="Phagspa"/>
+        <a:font script="Syrn" typeface="Estrangelo Edessa"/>
+        <a:font script="Syrj" typeface="Estrangelo Edessa"/>
+        <a:font script="Syre" typeface="Estrangelo Edessa"/>
+        <a:font script="Sora" typeface="Nirmala UI"/>
+        <a:font script="Tale" typeface="Microsoft Tai Le"/>
+        <a:font script="Talu" typeface="Microsoft New Tai Lue"/>
+        <a:font script="Tfng" typeface="Ebrima"/>
+      </a:majorFont>
+      <a:minorFont>
+        <a:latin typeface="Calibri" panose="020F0502020204030204"/>
+        <a:ea typeface=""/>
+        <a:cs typeface=""/>
+        <a:font script="Jpan" typeface="游ゴシック"/>
+        <a:font script="Hang" typeface="맑은 고딕"/>
+        <a:font script="Hans" typeface="等线"/>
+        <a:font script="Hant" typeface="新細明體"/>
+        <a:font script="Arab" typeface="Arial"/>
+        <a:font script="Hebr" typeface="Arial"/>
+        <a:font script="Thai" typeface="Cordia New"/>
+        <a:font script="Ethi" typeface="Nyala"/>
+        <a:font script="Beng" typeface="Vrinda"/>
+        <a:font script="Gujr" typeface="Shruti"/>
+        <a:font script="Khmr" typeface="DaunPenh"/>
+        <a:font script="Knda" typeface="Tunga"/>
+        <a:font script="Guru" typeface="Raavi"/>
+        <a:font script="Cans" typeface="Euphemia"/>
+        <a:font script="Cher" typeface="Plantagenet Cherokee"/>
+        <a:font script="Yiii" typeface="Microsoft Yi Baiti"/>
+        <a:font script="Tibt" typeface="Microsoft Himalaya"/>
+        <a:font script="Thaa" typeface="MV Boli"/>
+        <a:font script="Deva" typeface="Mangal"/>
+        <a:font script="Telu" typeface="Gautami"/>
+        <a:font script="Taml" typeface="Latha"/>
+        <a:font script="Syrc" typeface="Estrangelo Edessa"/>
+        <a:font script="Orya" typeface="Kalinga"/>
+        <a:font script="Mlym" typeface="Kartika"/>
+        <a:font script="Laoo" typeface="DokChampa"/>
+        <a:font script="Sinh" typeface="Iskoola Pota"/>
+        <a:font script="Mong" typeface="Mongolian Baiti"/>
+        <a:font script="Viet" typeface="Arial"/>
+        <a:font script="Uigh" typeface="Microsoft Uighur"/>
+        <a:font script="Geor" typeface="Sylfaen"/>
+        <a:font script="Armn" typeface="Arial"/>
+        <a:font script="Bugi" typeface="Leelawadee UI"/>
+        <a:font script="Bopo" typeface="Microsoft JhengHei"/>
+        <a:font script="Java" typeface="Javanese Text"/>
+        <a:font script="Lisu" typeface="Segoe UI"/>
+        <a:font script="Mymr" typeface="Myanmar Text"/>
+        <a:font script="Nkoo" typeface="Ebrima"/>
+        <a:font script="Olck" typeface="Nirmala UI"/>
+        <a:font script="Osma" typeface="Ebrima"/>
+        <a:font script="Phag" typeface="Phagspa"/>
+        <a:font script="Syrn" typeface="Estrangelo Edessa"/>
+        <a:font script="Syrj" typeface="Estrangelo Edessa"/>
+        <a:font script="Syre" typeface="Estrangelo Edessa"/>
+        <a:font script="Sora" typeface="Nirmala UI"/>
+        <a:font script="Tale" typeface="Microsoft Tai Le"/>
+        <a:font script="Talu" typeface="Microsoft New Tai Lue"/>
+        <a:font script="Tfng" typeface="Ebrima"/>
+      </a:minorFont>
+    </a:fontScheme>
+    <a:fmtScheme name="Office">
+      <a:fillStyleLst>
+        <a:solidFill>
+          <a:schemeClr val="phClr"/>
+        </a:solidFill>
+        <a:gradFill rotWithShape="1">
+          <a:gsLst>
+            <a:gs pos="0">
+              <a:schemeClr val="phClr">
+                <a:lumMod val="110000"/>
+                <a:satMod val="105000"/>
+                <a:tint val="67000"/>
+              </a:schemeClr>
+            </a:gs>
+            <a:gs pos="50000">
+              <a:schemeClr val="phClr">
+                <a:lumMod val="105000"/>
+                <a:satMod val="103000"/>
+                <a:tint val="73000"/>
+              </a:schemeClr>
+            </a:gs>
+            <a:gs pos="100000">
+              <a:schemeClr val="phClr">
+                <a:lumMod val="105000"/>
+                <a:satMod val="109000"/>
+                <a:tint val="81000"/>
+              </a:schemeClr>
+            </a:gs>
+          </a:gsLst>
+          <a:lin ang="5400000" scaled="0"/>
+        </a:gradFill>
+        <a:gradFill rotWithShape="1">
+          <a:gsLst>
+            <a:gs pos="0">
+              <a:schemeClr val="phClr">
+                <a:satMod val="103000"/>
+                <a:lumMod val="102000"/>
+                <a:tint val="94000"/>
+              </a:schemeClr>
+            </a:gs>
+            <a:gs pos="50000">
+              <a:schemeClr val="phClr">
+                <a:satMod val="110000"/>
+                <a:lumMod val="100000"/>
+                <a:shade val="100000"/>
+              </a:schemeClr>
+            </a:gs>
+            <a:gs pos="100000">
+              <a:schemeClr val="phClr">
+                <a:lumMod val="99000"/>
+                <a:satMod val="120000"/>
+                <a:shade val="78000"/>
+              </a:schemeClr>
+            </a:gs>
+          </a:gsLst>
+          <a:lin ang="5400000" scaled="0"/>
+        </a:gradFill>
+      </a:fillStyleLst>
+      <a:lnStyleLst>
+        <a:ln w="6350" cap="flat" cmpd="sng" algn="ctr">
+          <a:solidFill>
+            <a:schemeClr val="phClr"/>
+          </a:solidFill>
+          <a:prstDash val="solid"/>
+          <a:miter lim="800000"/>
+        </a:ln>
+        <a:ln w="12700" cap="flat" cmpd="sng" algn="ctr">
+          <a:solidFill>
+            <a:schemeClr val="phClr"/>
+          </a:solidFill>
+          <a:prstDash val="solid"/>
+          <a:miter lim="800000"/>
+        </a:ln>
+        <a:ln w="19050" cap="flat" cmpd="sng" algn="ctr">
+          <a:solidFill>
+            <a:schemeClr val="phClr"/>
+          </a:solidFill>
+          <a:prstDash val="solid"/>
+          <a:miter lim="800000"/>
+        </a:ln>
+      </a:lnStyleLst>
+      <a:effectStyleLst>
+        <a:effectStyle>
+          <a:effectLst/>
+        </a:effectStyle>
+        <a:effectStyle>
+          <a:effectLst/>
+        </a:effectStyle>
+        <a:effectStyle>
+          <a:effectLst>
+            <a:outerShdw blurRad="57150" dist="19050" dir="5400000" algn="ctr" rotWithShape="0">
+              <a:srgbClr val="000000">
+                <a:alpha val="63000"/>
+              </a:srgbClr>
+            </a:outerShdw>
+          </a:effectLst>
+        </a:effectStyle>
+      </a:effectStyleLst>
+      <a:bgFillStyleLst>
+        <a:solidFill>
+          <a:schemeClr val="phClr"/>
+        </a:solidFill>
+        <a:solidFill>
+          <a:schemeClr val="phClr">
+            <a:tint val="95000"/>
+            <a:satMod val="170000"/>
+          </a:schemeClr>
+        </a:solidFill>
+        <a:gradFill rotWithShape="1">
+          <a:gsLst>
+            <a:gs pos="0">
+              <a:schemeClr val="phClr">
+                <a:tint val="93000"/>
+                <a:satMod val="150000"/>
+                <a:shade val="98000"/>
+                <a:lumMod val="102000"/>
+              </a:schemeClr>
+            </a:gs>
+            <a:gs pos="50000">
+              <a:schemeClr val="phClr">
+                <a:tint val="98000"/>
+                <a:satMod val="130000"/>
+                <a:shade val="90000"/>
+                <a:lumMod val="103000"/>
+              </a:schemeClr>
+            </a:gs>
+            <a:gs pos="100000">
+              <a:schemeClr val="phClr">
+                <a:shade val="63000"/>
+                <a:satMod val="120000"/>
+              </a:schemeClr>
+            </a:gs>
+          </a:gsLst>
+          <a:lin ang="5400000" scaled="0"/>
+        </a:gradFill>
+      </a:bgFillStyleLst>
+    </a:fmtScheme>
+  </a:themeElements>
+  <a:objectDefaults/>
+  <a:extraClrSchemeLst/>
+  <a:extLst>
+    <a:ext uri="{05A4C25C-085E-4340-85A3-A5531E510DB2}">
+      <thm15:themeFamily xmlns:thm15="http://schemas.microsoft.com/office/thememl/2012/main" name="Office Theme" id="{62F939B6-93AF-4DB8-9C6B-D6C7DFDC589F}" vid="{4A3C46E8-61CC-4603-A589-7422A47A8E4A}"/>
+    </a:ext>
+  </a:extLst>
+</a:theme>
 </file>
--- a/Presentation_intro.pptx
+++ b/Presentation_intro.pptx
@@ -518,13 +518,8 @@
           <a:p>
             <a:r>
               <a:rPr lang="en-US" dirty="0"/>
-              <a:t>Segue into SVD, movie recommendation, low </a:t>
-            </a:r>
-            <a:r>
-              <a:rPr lang="en-US"/>
-              <a:t>rank approximation</a:t>
-            </a:r>
-            <a:endParaRPr lang="en-US" dirty="0"/>
+              <a:t>Segue into SVD, movie recommendation, low rank approximation</a:t>
+            </a:r>
           </a:p>
           <a:p>
             <a:r>
